--- a/SlideNhom7.pptx
+++ b/SlideNhom7.pptx
@@ -5,20 +5,21 @@
     <p:sldMasterId id="2147483648" r:id="rId1"/>
   </p:sldMasterIdLst>
   <p:notesMasterIdLst>
-    <p:notesMasterId r:id="rId13"/>
+    <p:notesMasterId r:id="rId14"/>
   </p:notesMasterIdLst>
   <p:sldIdLst>
     <p:sldId id="256" r:id="rId2"/>
-    <p:sldId id="268" r:id="rId3"/>
-    <p:sldId id="269" r:id="rId4"/>
-    <p:sldId id="270" r:id="rId5"/>
-    <p:sldId id="277" r:id="rId6"/>
-    <p:sldId id="271" r:id="rId7"/>
-    <p:sldId id="272" r:id="rId8"/>
-    <p:sldId id="273" r:id="rId9"/>
-    <p:sldId id="274" r:id="rId10"/>
-    <p:sldId id="275" r:id="rId11"/>
-    <p:sldId id="265" r:id="rId12"/>
+    <p:sldId id="279" r:id="rId3"/>
+    <p:sldId id="268" r:id="rId4"/>
+    <p:sldId id="269" r:id="rId5"/>
+    <p:sldId id="270" r:id="rId6"/>
+    <p:sldId id="277" r:id="rId7"/>
+    <p:sldId id="271" r:id="rId8"/>
+    <p:sldId id="272" r:id="rId9"/>
+    <p:sldId id="273" r:id="rId10"/>
+    <p:sldId id="274" r:id="rId11"/>
+    <p:sldId id="275" r:id="rId12"/>
+    <p:sldId id="265" r:id="rId13"/>
   </p:sldIdLst>
   <p:sldSz cx="12192000" cy="6858000"/>
   <p:notesSz cx="6858000" cy="9144000"/>
@@ -207,7 +208,7 @@
           <a:p>
             <a:fld id="{FB23814A-568E-4222-9E82-ACA3C2A2E8CC}" type="datetimeFigureOut">
               <a:rPr lang="vi-VN" smtClean="0"/>
-              <a:t>25/01/2026</a:t>
+              <a:t>27/01/2026</a:t>
             </a:fld>
             <a:endParaRPr lang="vi-VN"/>
           </a:p>
@@ -602,7 +603,7 @@
   <p:cSld>
     <p:spTree>
       <p:nvGrpSpPr>
-        <p:cNvPr id="1" name="Shape 210"/>
+        <p:cNvPr id="1" name="Shape 195"/>
         <p:cNvGrpSpPr/>
         <p:nvPr/>
       </p:nvGrpSpPr>
@@ -616,7 +617,7 @@
       </p:grpSpPr>
       <p:sp>
         <p:nvSpPr>
-          <p:cNvPr id="211" name="Google Shape;211;p9:notes"/>
+          <p:cNvPr id="196" name="Google Shape;196;p8:notes"/>
           <p:cNvSpPr txBox="1">
             <a:spLocks noGrp="1"/>
           </p:cNvSpPr>
@@ -641,31 +642,23 @@
           <a:p>
             <a:r>
               <a:rPr lang="vi-VN"/>
-              <a:t>Trong tương lai, để hoàn thiện hệ sinh thái, em sẽ phát triển thêm App dành cho </a:t>
+              <a:t>Đây là minh chứng thực tế: Bên trái là giao dịch </a:t>
             </a:r>
             <a:r>
               <a:rPr lang="vi-VN" b="1"/>
-              <a:t>Shipper và Admin</a:t>
+              <a:t>thanh toán ZaloPay thành công</a:t>
             </a:r>
             <a:r>
               <a:rPr lang="vi-VN"/>
-              <a:t>. Đồng thời tích hợp </a:t>
+              <a:t> trên môi trường Sandbox. Bên phải là tính năng </a:t>
             </a:r>
             <a:r>
               <a:rPr lang="vi-VN" b="1"/>
-              <a:t>AI</a:t>
+              <a:t>định vị bản đồ</a:t>
             </a:r>
             <a:r>
               <a:rPr lang="vi-VN"/>
-              <a:t> để gợi ý đồ uống và tính năng </a:t>
-            </a:r>
-            <a:r>
-              <a:rPr lang="vi-VN" b="1"/>
-              <a:t>Thông báo đẩy</a:t>
-            </a:r>
-            <a:r>
-              <a:rPr lang="vi-VN"/>
-              <a:t> để tăng tương tác với người dùng.</a:t>
+              <a:t> sử dụng OpenStreetMap. Ứng dụng đã được kiểm thử và chạy ổn định trên các thiết bị Android từ phiên bản 10 trở lên."</a:t>
             </a:r>
             <a:endParaRPr/>
           </a:p>
@@ -673,7 +666,7 @@
       </p:sp>
       <p:sp>
         <p:nvSpPr>
-          <p:cNvPr id="212" name="Google Shape;212;p9:notes"/>
+          <p:cNvPr id="197" name="Google Shape;197;p8:notes"/>
           <p:cNvSpPr>
             <a:spLocks noGrp="1" noRot="1" noChangeAspect="1"/>
           </p:cNvSpPr>
@@ -725,7 +718,7 @@
   <p:cSld>
     <p:spTree>
       <p:nvGrpSpPr>
-        <p:cNvPr id="1" name="Shape 223"/>
+        <p:cNvPr id="1" name="Shape 210"/>
         <p:cNvGrpSpPr/>
         <p:nvPr/>
       </p:nvGrpSpPr>
@@ -739,7 +732,7 @@
       </p:grpSpPr>
       <p:sp>
         <p:nvSpPr>
-          <p:cNvPr id="224" name="Google Shape;224;p10:notes"/>
+          <p:cNvPr id="211" name="Google Shape;211;p9:notes"/>
           <p:cNvSpPr txBox="1">
             <a:spLocks noGrp="1"/>
           </p:cNvSpPr>
@@ -762,18 +755,33 @@
           </a:bodyPr>
           <a:lstStyle/>
           <a:p>
-            <a:pPr marL="0" lvl="0" indent="0" algn="l" rtl="0">
-              <a:spcBef>
-                <a:spcPts val="0"/>
-              </a:spcBef>
-              <a:spcAft>
-                <a:spcPts val="0"/>
-              </a:spcAft>
-              <a:buNone/>
-            </a:pPr>
             <a:r>
               <a:rPr lang="vi-VN"/>
-              <a:t>Em xin chân thành cảm ơn Thầy đã hướng dẫn và các bạn đã lắng nghe. Em xin hết.</a:t>
+              <a:t>Trong tương lai, để hoàn thiện hệ sinh thái, em sẽ phát triển thêm App dành cho </a:t>
+            </a:r>
+            <a:r>
+              <a:rPr lang="vi-VN" b="1"/>
+              <a:t>Shipper và Admin</a:t>
+            </a:r>
+            <a:r>
+              <a:rPr lang="vi-VN"/>
+              <a:t>. Đồng thời tích hợp </a:t>
+            </a:r>
+            <a:r>
+              <a:rPr lang="vi-VN" b="1"/>
+              <a:t>AI</a:t>
+            </a:r>
+            <a:r>
+              <a:rPr lang="vi-VN"/>
+              <a:t> để gợi ý đồ uống và tính năng </a:t>
+            </a:r>
+            <a:r>
+              <a:rPr lang="vi-VN" b="1"/>
+              <a:t>Thông báo đẩy</a:t>
+            </a:r>
+            <a:r>
+              <a:rPr lang="vi-VN"/>
+              <a:t> để tăng tương tác với người dùng.</a:t>
             </a:r>
             <a:endParaRPr/>
           </a:p>
@@ -781,7 +789,7 @@
       </p:sp>
       <p:sp>
         <p:nvSpPr>
-          <p:cNvPr id="225" name="Google Shape;225;p10:notes"/>
+          <p:cNvPr id="212" name="Google Shape;212;p9:notes"/>
           <p:cNvSpPr>
             <a:spLocks noGrp="1" noRot="1" noChangeAspect="1"/>
           </p:cNvSpPr>
@@ -828,12 +836,12 @@
 </p:notes>
 </file>
 
-<file path=ppt/notesSlides/notesSlide2.xml><?xml version="1.0" encoding="utf-8"?>
+<file path=ppt/notesSlides/notesSlide12.xml><?xml version="1.0" encoding="utf-8"?>
 <p:notes xmlns:a="http://schemas.openxmlformats.org/drawingml/2006/main" xmlns:r="http://schemas.openxmlformats.org/officeDocument/2006/relationships" xmlns:p="http://schemas.openxmlformats.org/presentationml/2006/main" showMasterSp="0" showMasterPhAnim="0">
   <p:cSld>
     <p:spTree>
       <p:nvGrpSpPr>
-        <p:cNvPr id="1" name="Shape 91"/>
+        <p:cNvPr id="1" name="Shape 223"/>
         <p:cNvGrpSpPr/>
         <p:nvPr/>
       </p:nvGrpSpPr>
@@ -847,7 +855,7 @@
       </p:grpSpPr>
       <p:sp>
         <p:nvSpPr>
-          <p:cNvPr id="92" name="Google Shape;92;p2:notes"/>
+          <p:cNvPr id="224" name="Google Shape;224;p10:notes"/>
           <p:cNvSpPr txBox="1">
             <a:spLocks noGrp="1"/>
           </p:cNvSpPr>
@@ -881,15 +889,15 @@
             </a:pPr>
             <a:r>
               <a:rPr lang="vi-VN"/>
-              <a:t>Đây là thông tin chi tiết về quá trình thực hiện và link Source Code trên Git, em xin phép lướt qua để đi vào phần trọng tâm.</a:t>
-            </a:r>
-            <a:endParaRPr b="1"/>
-          </a:p>
-        </p:txBody>
-      </p:sp>
-      <p:sp>
-        <p:nvSpPr>
-          <p:cNvPr id="93" name="Google Shape;93;p2:notes"/>
+              <a:t>Em xin chân thành cảm ơn Thầy đã hướng dẫn và các bạn đã lắng nghe. Em xin hết.</a:t>
+            </a:r>
+            <a:endParaRPr/>
+          </a:p>
+        </p:txBody>
+      </p:sp>
+      <p:sp>
+        <p:nvSpPr>
+          <p:cNvPr id="225" name="Google Shape;225;p10:notes"/>
           <p:cNvSpPr>
             <a:spLocks noGrp="1" noRot="1" noChangeAspect="1"/>
           </p:cNvSpPr>
@@ -936,12 +944,18 @@
 </p:notes>
 </file>
 
-<file path=ppt/notesSlides/notesSlide3.xml><?xml version="1.0" encoding="utf-8"?>
+<file path=ppt/notesSlides/notesSlide2.xml><?xml version="1.0" encoding="utf-8"?>
 <p:notes xmlns:a="http://schemas.openxmlformats.org/drawingml/2006/main" xmlns:r="http://schemas.openxmlformats.org/officeDocument/2006/relationships" xmlns:p="http://schemas.openxmlformats.org/presentationml/2006/main" showMasterSp="0" showMasterPhAnim="0">
   <p:cSld>
     <p:spTree>
       <p:nvGrpSpPr>
-        <p:cNvPr id="1" name="Shape 107"/>
+        <p:cNvPr id="1" name="Shape 223">
+          <a:extLst>
+            <a:ext uri="{FF2B5EF4-FFF2-40B4-BE49-F238E27FC236}">
+              <a16:creationId xmlns:a16="http://schemas.microsoft.com/office/drawing/2014/main" id="{5EC24EE3-9315-5543-04A3-83EA187BEEFF}"/>
+            </a:ext>
+          </a:extLst>
+        </p:cNvPr>
         <p:cNvGrpSpPr/>
         <p:nvPr/>
       </p:nvGrpSpPr>
@@ -955,7 +969,13 @@
       </p:grpSpPr>
       <p:sp>
         <p:nvSpPr>
-          <p:cNvPr id="108" name="Google Shape;108;p3:notes"/>
+          <p:cNvPr id="224" name="Google Shape;224;p10:notes">
+            <a:extLst>
+              <a:ext uri="{FF2B5EF4-FFF2-40B4-BE49-F238E27FC236}">
+                <a16:creationId xmlns:a16="http://schemas.microsoft.com/office/drawing/2014/main" id="{C412A376-2132-847A-1A03-2E52D0DDF51F}"/>
+              </a:ext>
+            </a:extLst>
+          </p:cNvPr>
           <p:cNvSpPr txBox="1">
             <a:spLocks noGrp="1"/>
           </p:cNvSpPr>
@@ -987,13 +1007,23 @@
               </a:spcAft>
               <a:buNone/>
             </a:pPr>
+            <a:r>
+              <a:rPr lang="vi-VN"/>
+              <a:t>Em xin chân thành cảm ơn Thầy đã hướng dẫn và các bạn đã lắng nghe. Em xin hết.</a:t>
+            </a:r>
             <a:endParaRPr/>
           </a:p>
         </p:txBody>
       </p:sp>
       <p:sp>
         <p:nvSpPr>
-          <p:cNvPr id="109" name="Google Shape;109;p3:notes"/>
+          <p:cNvPr id="225" name="Google Shape;225;p10:notes">
+            <a:extLst>
+              <a:ext uri="{FF2B5EF4-FFF2-40B4-BE49-F238E27FC236}">
+                <a16:creationId xmlns:a16="http://schemas.microsoft.com/office/drawing/2014/main" id="{279461D0-6E03-5404-E063-EAC6CF53971E}"/>
+              </a:ext>
+            </a:extLst>
+          </p:cNvPr>
           <p:cNvSpPr>
             <a:spLocks noGrp="1" noRot="1" noChangeAspect="1"/>
           </p:cNvSpPr>
@@ -1033,6 +1063,11 @@
         </p:spPr>
       </p:sp>
     </p:spTree>
+    <p:extLst>
+      <p:ext uri="{BB962C8B-B14F-4D97-AF65-F5344CB8AC3E}">
+        <p14:creationId xmlns:p14="http://schemas.microsoft.com/office/powerpoint/2010/main" val="895478992"/>
+      </p:ext>
+    </p:extLst>
   </p:cSld>
   <p:clrMapOvr>
     <a:masterClrMapping/>
@@ -1040,12 +1075,12 @@
 </p:notes>
 </file>
 
-<file path=ppt/notesSlides/notesSlide4.xml><?xml version="1.0" encoding="utf-8"?>
+<file path=ppt/notesSlides/notesSlide3.xml><?xml version="1.0" encoding="utf-8"?>
 <p:notes xmlns:a="http://schemas.openxmlformats.org/drawingml/2006/main" xmlns:r="http://schemas.openxmlformats.org/officeDocument/2006/relationships" xmlns:p="http://schemas.openxmlformats.org/presentationml/2006/main" showMasterSp="0" showMasterPhAnim="0">
   <p:cSld>
     <p:spTree>
       <p:nvGrpSpPr>
-        <p:cNvPr id="1" name="Shape 130"/>
+        <p:cNvPr id="1" name="Shape 91"/>
         <p:cNvGrpSpPr/>
         <p:nvPr/>
       </p:nvGrpSpPr>
@@ -1059,7 +1094,7 @@
       </p:grpSpPr>
       <p:sp>
         <p:nvSpPr>
-          <p:cNvPr id="131" name="Google Shape;131;p4:notes"/>
+          <p:cNvPr id="92" name="Google Shape;92;p2:notes"/>
           <p:cNvSpPr txBox="1">
             <a:spLocks noGrp="1"/>
           </p:cNvSpPr>
@@ -1093,23 +1128,15 @@
             </a:pPr>
             <a:r>
               <a:rPr lang="vi-VN"/>
-              <a:t>Quy trình phát triển của em bắt đầu từ việc thiết kế UI/UX bài bản trên </a:t>
-            </a:r>
-            <a:r>
-              <a:rPr lang="vi-VN" b="1"/>
-              <a:t>Figma</a:t>
-            </a:r>
-            <a:r>
-              <a:rPr lang="vi-VN"/>
-              <a:t>. Em đã xây dựng một luồng trải nghiệm trọn vẹn từ Đăng nhập, Chọn món cho đến Thanh toán, đảm bảo tính nhất quán trước khi viết dòng code đầu tiên."</a:t>
-            </a:r>
-            <a:endParaRPr/>
-          </a:p>
-        </p:txBody>
-      </p:sp>
-      <p:sp>
-        <p:nvSpPr>
-          <p:cNvPr id="132" name="Google Shape;132;p4:notes"/>
+              <a:t>Đây là thông tin chi tiết về quá trình thực hiện và link Source Code trên Git, em xin phép lướt qua để đi vào phần trọng tâm.</a:t>
+            </a:r>
+            <a:endParaRPr b="1"/>
+          </a:p>
+        </p:txBody>
+      </p:sp>
+      <p:sp>
+        <p:nvSpPr>
+          <p:cNvPr id="93" name="Google Shape;93;p2:notes"/>
           <p:cNvSpPr>
             <a:spLocks noGrp="1" noRot="1" noChangeAspect="1"/>
           </p:cNvSpPr>
@@ -1156,7 +1183,227 @@
 </p:notes>
 </file>
 
+<file path=ppt/notesSlides/notesSlide4.xml><?xml version="1.0" encoding="utf-8"?>
+<p:notes xmlns:a="http://schemas.openxmlformats.org/drawingml/2006/main" xmlns:r="http://schemas.openxmlformats.org/officeDocument/2006/relationships" xmlns:p="http://schemas.openxmlformats.org/presentationml/2006/main" showMasterSp="0" showMasterPhAnim="0">
+  <p:cSld>
+    <p:spTree>
+      <p:nvGrpSpPr>
+        <p:cNvPr id="1" name="Shape 107"/>
+        <p:cNvGrpSpPr/>
+        <p:nvPr/>
+      </p:nvGrpSpPr>
+      <p:grpSpPr>
+        <a:xfrm>
+          <a:off x="0" y="0"/>
+          <a:ext cx="0" cy="0"/>
+          <a:chOff x="0" y="0"/>
+          <a:chExt cx="0" cy="0"/>
+        </a:xfrm>
+      </p:grpSpPr>
+      <p:sp>
+        <p:nvSpPr>
+          <p:cNvPr id="108" name="Google Shape;108;p3:notes"/>
+          <p:cNvSpPr txBox="1">
+            <a:spLocks noGrp="1"/>
+          </p:cNvSpPr>
+          <p:nvPr>
+            <p:ph type="body" idx="1"/>
+          </p:nvPr>
+        </p:nvSpPr>
+        <p:spPr>
+          <a:xfrm>
+            <a:off x="685800" y="4343400"/>
+            <a:ext cx="5486400" cy="4114800"/>
+          </a:xfrm>
+          <a:prstGeom prst="rect">
+            <a:avLst/>
+          </a:prstGeom>
+        </p:spPr>
+        <p:txBody>
+          <a:bodyPr spcFirstLastPara="1" wrap="square" lIns="91425" tIns="91425" rIns="91425" bIns="91425" anchor="t" anchorCtr="0">
+            <a:noAutofit/>
+          </a:bodyPr>
+          <a:lstStyle/>
+          <a:p>
+            <a:pPr marL="0" lvl="0" indent="0" algn="l" rtl="0">
+              <a:spcBef>
+                <a:spcPts val="0"/>
+              </a:spcBef>
+              <a:spcAft>
+                <a:spcPts val="0"/>
+              </a:spcAft>
+              <a:buNone/>
+            </a:pPr>
+            <a:endParaRPr/>
+          </a:p>
+        </p:txBody>
+      </p:sp>
+      <p:sp>
+        <p:nvSpPr>
+          <p:cNvPr id="109" name="Google Shape;109;p3:notes"/>
+          <p:cNvSpPr>
+            <a:spLocks noGrp="1" noRot="1" noChangeAspect="1"/>
+          </p:cNvSpPr>
+          <p:nvPr>
+            <p:ph type="sldImg" idx="2"/>
+          </p:nvPr>
+        </p:nvSpPr>
+        <p:spPr>
+          <a:xfrm>
+            <a:off x="381000" y="685800"/>
+            <a:ext cx="6096000" cy="3429000"/>
+          </a:xfrm>
+          <a:custGeom>
+            <a:avLst/>
+            <a:gdLst/>
+            <a:ahLst/>
+            <a:cxnLst/>
+            <a:rect l="l" t="t" r="r" b="b"/>
+            <a:pathLst>
+              <a:path w="120000" h="120000" extrusionOk="0">
+                <a:moveTo>
+                  <a:pt x="0" y="0"/>
+                </a:moveTo>
+                <a:lnTo>
+                  <a:pt x="120000" y="0"/>
+                </a:lnTo>
+                <a:lnTo>
+                  <a:pt x="120000" y="120000"/>
+                </a:lnTo>
+                <a:lnTo>
+                  <a:pt x="0" y="120000"/>
+                </a:lnTo>
+                <a:close/>
+              </a:path>
+            </a:pathLst>
+          </a:custGeom>
+        </p:spPr>
+      </p:sp>
+    </p:spTree>
+  </p:cSld>
+  <p:clrMapOvr>
+    <a:masterClrMapping/>
+  </p:clrMapOvr>
+</p:notes>
+</file>
+
 <file path=ppt/notesSlides/notesSlide5.xml><?xml version="1.0" encoding="utf-8"?>
+<p:notes xmlns:a="http://schemas.openxmlformats.org/drawingml/2006/main" xmlns:r="http://schemas.openxmlformats.org/officeDocument/2006/relationships" xmlns:p="http://schemas.openxmlformats.org/presentationml/2006/main" showMasterSp="0" showMasterPhAnim="0">
+  <p:cSld>
+    <p:spTree>
+      <p:nvGrpSpPr>
+        <p:cNvPr id="1" name="Shape 130"/>
+        <p:cNvGrpSpPr/>
+        <p:nvPr/>
+      </p:nvGrpSpPr>
+      <p:grpSpPr>
+        <a:xfrm>
+          <a:off x="0" y="0"/>
+          <a:ext cx="0" cy="0"/>
+          <a:chOff x="0" y="0"/>
+          <a:chExt cx="0" cy="0"/>
+        </a:xfrm>
+      </p:grpSpPr>
+      <p:sp>
+        <p:nvSpPr>
+          <p:cNvPr id="131" name="Google Shape;131;p4:notes"/>
+          <p:cNvSpPr txBox="1">
+            <a:spLocks noGrp="1"/>
+          </p:cNvSpPr>
+          <p:nvPr>
+            <p:ph type="body" idx="1"/>
+          </p:nvPr>
+        </p:nvSpPr>
+        <p:spPr>
+          <a:xfrm>
+            <a:off x="685800" y="4343400"/>
+            <a:ext cx="5486400" cy="4114800"/>
+          </a:xfrm>
+          <a:prstGeom prst="rect">
+            <a:avLst/>
+          </a:prstGeom>
+        </p:spPr>
+        <p:txBody>
+          <a:bodyPr spcFirstLastPara="1" wrap="square" lIns="91425" tIns="91425" rIns="91425" bIns="91425" anchor="t" anchorCtr="0">
+            <a:noAutofit/>
+          </a:bodyPr>
+          <a:lstStyle/>
+          <a:p>
+            <a:pPr marL="0" lvl="0" indent="0" algn="l" rtl="0">
+              <a:spcBef>
+                <a:spcPts val="0"/>
+              </a:spcBef>
+              <a:spcAft>
+                <a:spcPts val="0"/>
+              </a:spcAft>
+              <a:buNone/>
+            </a:pPr>
+            <a:r>
+              <a:rPr lang="vi-VN"/>
+              <a:t>Quy trình phát triển của nhóm bắt đầu từ việc thiết kế UI/UX bài bản trên </a:t>
+            </a:r>
+            <a:r>
+              <a:rPr lang="vi-VN" b="1"/>
+              <a:t>Figma</a:t>
+            </a:r>
+            <a:r>
+              <a:rPr lang="vi-VN"/>
+              <a:t>. Em đã xây dựng một luồng trải nghiệm trọn vẹn từ Đăng nhập, Chọn món cho đến Thanh toán, đảm bảo tính nhất quán trước khi viết dòng code đầu tiên."</a:t>
+            </a:r>
+            <a:endParaRPr/>
+          </a:p>
+        </p:txBody>
+      </p:sp>
+      <p:sp>
+        <p:nvSpPr>
+          <p:cNvPr id="132" name="Google Shape;132;p4:notes"/>
+          <p:cNvSpPr>
+            <a:spLocks noGrp="1" noRot="1" noChangeAspect="1"/>
+          </p:cNvSpPr>
+          <p:nvPr>
+            <p:ph type="sldImg" idx="2"/>
+          </p:nvPr>
+        </p:nvSpPr>
+        <p:spPr>
+          <a:xfrm>
+            <a:off x="381000" y="685800"/>
+            <a:ext cx="6096000" cy="3429000"/>
+          </a:xfrm>
+          <a:custGeom>
+            <a:avLst/>
+            <a:gdLst/>
+            <a:ahLst/>
+            <a:cxnLst/>
+            <a:rect l="l" t="t" r="r" b="b"/>
+            <a:pathLst>
+              <a:path w="120000" h="120000" extrusionOk="0">
+                <a:moveTo>
+                  <a:pt x="0" y="0"/>
+                </a:moveTo>
+                <a:lnTo>
+                  <a:pt x="120000" y="0"/>
+                </a:lnTo>
+                <a:lnTo>
+                  <a:pt x="120000" y="120000"/>
+                </a:lnTo>
+                <a:lnTo>
+                  <a:pt x="0" y="120000"/>
+                </a:lnTo>
+                <a:close/>
+              </a:path>
+            </a:pathLst>
+          </a:custGeom>
+        </p:spPr>
+      </p:sp>
+    </p:spTree>
+  </p:cSld>
+  <p:clrMapOvr>
+    <a:masterClrMapping/>
+  </p:clrMapOvr>
+</p:notes>
+</file>
+
+<file path=ppt/notesSlides/notesSlide6.xml><?xml version="1.0" encoding="utf-8"?>
 <p:notes xmlns:a="http://schemas.openxmlformats.org/drawingml/2006/main" xmlns:r="http://schemas.openxmlformats.org/officeDocument/2006/relationships" xmlns:p="http://schemas.openxmlformats.org/presentationml/2006/main" showMasterSp="0" showMasterPhAnim="0">
   <p:cSld>
     <p:spTree>
@@ -1319,7 +1566,7 @@
 </p:notes>
 </file>
 
-<file path=ppt/notesSlides/notesSlide6.xml><?xml version="1.0" encoding="utf-8"?>
+<file path=ppt/notesSlides/notesSlide7.xml><?xml version="1.0" encoding="utf-8"?>
 <p:notes xmlns:a="http://schemas.openxmlformats.org/drawingml/2006/main" xmlns:r="http://schemas.openxmlformats.org/officeDocument/2006/relationships" xmlns:p="http://schemas.openxmlformats.org/presentationml/2006/main" showMasterSp="0" showMasterPhAnim="0">
   <p:cSld>
     <p:spTree>
@@ -1467,7 +1714,7 @@
 </p:notes>
 </file>
 
-<file path=ppt/notesSlides/notesSlide7.xml><?xml version="1.0" encoding="utf-8"?>
+<file path=ppt/notesSlides/notesSlide8.xml><?xml version="1.0" encoding="utf-8"?>
 <p:notes xmlns:a="http://schemas.openxmlformats.org/drawingml/2006/main" xmlns:r="http://schemas.openxmlformats.org/officeDocument/2006/relationships" xmlns:p="http://schemas.openxmlformats.org/presentationml/2006/main" showMasterSp="0" showMasterPhAnim="0">
   <p:cSld>
     <p:spTree>
@@ -1603,7 +1850,7 @@
 </p:notes>
 </file>
 
-<file path=ppt/notesSlides/notesSlide8.xml><?xml version="1.0" encoding="utf-8"?>
+<file path=ppt/notesSlides/notesSlide9.xml><?xml version="1.0" encoding="utf-8"?>
 <p:notes xmlns:a="http://schemas.openxmlformats.org/drawingml/2006/main" xmlns:r="http://schemas.openxmlformats.org/officeDocument/2006/relationships" xmlns:p="http://schemas.openxmlformats.org/presentationml/2006/main" showMasterSp="0" showMasterPhAnim="0">
   <p:cSld>
     <p:spTree>
@@ -1672,121 +1919,6 @@
       <p:sp>
         <p:nvSpPr>
           <p:cNvPr id="180" name="Google Shape;180;p7:notes"/>
-          <p:cNvSpPr>
-            <a:spLocks noGrp="1" noRot="1" noChangeAspect="1"/>
-          </p:cNvSpPr>
-          <p:nvPr>
-            <p:ph type="sldImg" idx="2"/>
-          </p:nvPr>
-        </p:nvSpPr>
-        <p:spPr>
-          <a:xfrm>
-            <a:off x="381000" y="685800"/>
-            <a:ext cx="6096000" cy="3429000"/>
-          </a:xfrm>
-          <a:custGeom>
-            <a:avLst/>
-            <a:gdLst/>
-            <a:ahLst/>
-            <a:cxnLst/>
-            <a:rect l="l" t="t" r="r" b="b"/>
-            <a:pathLst>
-              <a:path w="120000" h="120000" extrusionOk="0">
-                <a:moveTo>
-                  <a:pt x="0" y="0"/>
-                </a:moveTo>
-                <a:lnTo>
-                  <a:pt x="120000" y="0"/>
-                </a:lnTo>
-                <a:lnTo>
-                  <a:pt x="120000" y="120000"/>
-                </a:lnTo>
-                <a:lnTo>
-                  <a:pt x="0" y="120000"/>
-                </a:lnTo>
-                <a:close/>
-              </a:path>
-            </a:pathLst>
-          </a:custGeom>
-        </p:spPr>
-      </p:sp>
-    </p:spTree>
-  </p:cSld>
-  <p:clrMapOvr>
-    <a:masterClrMapping/>
-  </p:clrMapOvr>
-</p:notes>
-</file>
-
-<file path=ppt/notesSlides/notesSlide9.xml><?xml version="1.0" encoding="utf-8"?>
-<p:notes xmlns:a="http://schemas.openxmlformats.org/drawingml/2006/main" xmlns:r="http://schemas.openxmlformats.org/officeDocument/2006/relationships" xmlns:p="http://schemas.openxmlformats.org/presentationml/2006/main" showMasterSp="0" showMasterPhAnim="0">
-  <p:cSld>
-    <p:spTree>
-      <p:nvGrpSpPr>
-        <p:cNvPr id="1" name="Shape 195"/>
-        <p:cNvGrpSpPr/>
-        <p:nvPr/>
-      </p:nvGrpSpPr>
-      <p:grpSpPr>
-        <a:xfrm>
-          <a:off x="0" y="0"/>
-          <a:ext cx="0" cy="0"/>
-          <a:chOff x="0" y="0"/>
-          <a:chExt cx="0" cy="0"/>
-        </a:xfrm>
-      </p:grpSpPr>
-      <p:sp>
-        <p:nvSpPr>
-          <p:cNvPr id="196" name="Google Shape;196;p8:notes"/>
-          <p:cNvSpPr txBox="1">
-            <a:spLocks noGrp="1"/>
-          </p:cNvSpPr>
-          <p:nvPr>
-            <p:ph type="body" idx="1"/>
-          </p:nvPr>
-        </p:nvSpPr>
-        <p:spPr>
-          <a:xfrm>
-            <a:off x="685800" y="4343400"/>
-            <a:ext cx="5486400" cy="4114800"/>
-          </a:xfrm>
-          <a:prstGeom prst="rect">
-            <a:avLst/>
-          </a:prstGeom>
-        </p:spPr>
-        <p:txBody>
-          <a:bodyPr spcFirstLastPara="1" wrap="square" lIns="91425" tIns="91425" rIns="91425" bIns="91425" anchor="t" anchorCtr="0">
-            <a:noAutofit/>
-          </a:bodyPr>
-          <a:lstStyle/>
-          <a:p>
-            <a:r>
-              <a:rPr lang="vi-VN"/>
-              <a:t>Đây là minh chứng thực tế: Bên trái là giao dịch </a:t>
-            </a:r>
-            <a:r>
-              <a:rPr lang="vi-VN" b="1"/>
-              <a:t>thanh toán ZaloPay thành công</a:t>
-            </a:r>
-            <a:r>
-              <a:rPr lang="vi-VN"/>
-              <a:t> trên môi trường Sandbox. Bên phải là tính năng </a:t>
-            </a:r>
-            <a:r>
-              <a:rPr lang="vi-VN" b="1"/>
-              <a:t>định vị bản đồ</a:t>
-            </a:r>
-            <a:r>
-              <a:rPr lang="vi-VN"/>
-              <a:t> sử dụng OpenStreetMap. Ứng dụng đã được kiểm thử và chạy ổn định trên các thiết bị Android từ phiên bản 10 trở lên."</a:t>
-            </a:r>
-            <a:endParaRPr/>
-          </a:p>
-        </p:txBody>
-      </p:sp>
-      <p:sp>
-        <p:nvSpPr>
-          <p:cNvPr id="197" name="Google Shape;197;p8:notes"/>
           <p:cNvSpPr>
             <a:spLocks noGrp="1" noRot="1" noChangeAspect="1"/>
           </p:cNvSpPr>
@@ -1980,7 +2112,7 @@
           <a:p>
             <a:fld id="{8FC48DE5-EA60-49C7-B4B8-4296692D59D3}" type="datetimeFigureOut">
               <a:rPr lang="vi-VN" smtClean="0"/>
-              <a:t>25/01/2026</a:t>
+              <a:t>27/01/2026</a:t>
             </a:fld>
             <a:endParaRPr lang="vi-VN"/>
           </a:p>
@@ -2178,7 +2310,7 @@
           <a:p>
             <a:fld id="{8FC48DE5-EA60-49C7-B4B8-4296692D59D3}" type="datetimeFigureOut">
               <a:rPr lang="vi-VN" smtClean="0"/>
-              <a:t>25/01/2026</a:t>
+              <a:t>27/01/2026</a:t>
             </a:fld>
             <a:endParaRPr lang="vi-VN"/>
           </a:p>
@@ -2386,7 +2518,7 @@
           <a:p>
             <a:fld id="{8FC48DE5-EA60-49C7-B4B8-4296692D59D3}" type="datetimeFigureOut">
               <a:rPr lang="vi-VN" smtClean="0"/>
-              <a:t>25/01/2026</a:t>
+              <a:t>27/01/2026</a:t>
             </a:fld>
             <a:endParaRPr lang="vi-VN"/>
           </a:p>
@@ -2584,7 +2716,7 @@
           <a:p>
             <a:fld id="{8FC48DE5-EA60-49C7-B4B8-4296692D59D3}" type="datetimeFigureOut">
               <a:rPr lang="vi-VN" smtClean="0"/>
-              <a:t>25/01/2026</a:t>
+              <a:t>27/01/2026</a:t>
             </a:fld>
             <a:endParaRPr lang="vi-VN"/>
           </a:p>
@@ -2859,7 +2991,7 @@
           <a:p>
             <a:fld id="{8FC48DE5-EA60-49C7-B4B8-4296692D59D3}" type="datetimeFigureOut">
               <a:rPr lang="vi-VN" smtClean="0"/>
-              <a:t>25/01/2026</a:t>
+              <a:t>27/01/2026</a:t>
             </a:fld>
             <a:endParaRPr lang="vi-VN"/>
           </a:p>
@@ -3124,7 +3256,7 @@
           <a:p>
             <a:fld id="{8FC48DE5-EA60-49C7-B4B8-4296692D59D3}" type="datetimeFigureOut">
               <a:rPr lang="vi-VN" smtClean="0"/>
-              <a:t>25/01/2026</a:t>
+              <a:t>27/01/2026</a:t>
             </a:fld>
             <a:endParaRPr lang="vi-VN"/>
           </a:p>
@@ -3536,7 +3668,7 @@
           <a:p>
             <a:fld id="{8FC48DE5-EA60-49C7-B4B8-4296692D59D3}" type="datetimeFigureOut">
               <a:rPr lang="vi-VN" smtClean="0"/>
-              <a:t>25/01/2026</a:t>
+              <a:t>27/01/2026</a:t>
             </a:fld>
             <a:endParaRPr lang="vi-VN"/>
           </a:p>
@@ -3677,7 +3809,7 @@
           <a:p>
             <a:fld id="{8FC48DE5-EA60-49C7-B4B8-4296692D59D3}" type="datetimeFigureOut">
               <a:rPr lang="vi-VN" smtClean="0"/>
-              <a:t>25/01/2026</a:t>
+              <a:t>27/01/2026</a:t>
             </a:fld>
             <a:endParaRPr lang="vi-VN"/>
           </a:p>
@@ -3790,7 +3922,7 @@
           <a:p>
             <a:fld id="{8FC48DE5-EA60-49C7-B4B8-4296692D59D3}" type="datetimeFigureOut">
               <a:rPr lang="vi-VN" smtClean="0"/>
-              <a:t>25/01/2026</a:t>
+              <a:t>27/01/2026</a:t>
             </a:fld>
             <a:endParaRPr lang="vi-VN"/>
           </a:p>
@@ -4101,7 +4233,7 @@
           <a:p>
             <a:fld id="{8FC48DE5-EA60-49C7-B4B8-4296692D59D3}" type="datetimeFigureOut">
               <a:rPr lang="vi-VN" smtClean="0"/>
-              <a:t>25/01/2026</a:t>
+              <a:t>27/01/2026</a:t>
             </a:fld>
             <a:endParaRPr lang="vi-VN"/>
           </a:p>
@@ -4389,7 +4521,7 @@
           <a:p>
             <a:fld id="{8FC48DE5-EA60-49C7-B4B8-4296692D59D3}" type="datetimeFigureOut">
               <a:rPr lang="vi-VN" smtClean="0"/>
-              <a:t>25/01/2026</a:t>
+              <a:t>27/01/2026</a:t>
             </a:fld>
             <a:endParaRPr lang="vi-VN"/>
           </a:p>
@@ -4630,7 +4762,7 @@
           <a:p>
             <a:fld id="{8FC48DE5-EA60-49C7-B4B8-4296692D59D3}" type="datetimeFigureOut">
               <a:rPr lang="vi-VN" smtClean="0"/>
-              <a:t>25/01/2026</a:t>
+              <a:t>27/01/2026</a:t>
             </a:fld>
             <a:endParaRPr lang="vi-VN"/>
           </a:p>
@@ -5903,6 +6035,527 @@
   <p:cSld>
     <p:spTree>
       <p:nvGrpSpPr>
+        <p:cNvPr id="1" name="Shape 198"/>
+        <p:cNvGrpSpPr/>
+        <p:nvPr/>
+      </p:nvGrpSpPr>
+      <p:grpSpPr>
+        <a:xfrm>
+          <a:off x="0" y="0"/>
+          <a:ext cx="0" cy="0"/>
+          <a:chOff x="0" y="0"/>
+          <a:chExt cx="0" cy="0"/>
+        </a:xfrm>
+      </p:grpSpPr>
+      <p:pic>
+        <p:nvPicPr>
+          <p:cNvPr id="199" name="Google Shape;199;p20" descr="image.png"/>
+          <p:cNvPicPr preferRelativeResize="0"/>
+          <p:nvPr/>
+        </p:nvPicPr>
+        <p:blipFill rotWithShape="1">
+          <a:blip r:embed="rId3">
+            <a:alphaModFix/>
+          </a:blip>
+          <a:srcRect/>
+          <a:stretch/>
+        </p:blipFill>
+        <p:spPr>
+          <a:xfrm>
+            <a:off x="0" y="0"/>
+            <a:ext cx="12192000" cy="6858000"/>
+          </a:xfrm>
+          <a:prstGeom prst="rect">
+            <a:avLst/>
+          </a:prstGeom>
+          <a:noFill/>
+          <a:ln>
+            <a:noFill/>
+          </a:ln>
+        </p:spPr>
+      </p:pic>
+      <p:pic>
+        <p:nvPicPr>
+          <p:cNvPr id="200" name="Google Shape;200;p20" descr="image.png"/>
+          <p:cNvPicPr preferRelativeResize="0"/>
+          <p:nvPr/>
+        </p:nvPicPr>
+        <p:blipFill rotWithShape="1">
+          <a:blip r:embed="rId4">
+            <a:alphaModFix/>
+          </a:blip>
+          <a:srcRect/>
+          <a:stretch/>
+        </p:blipFill>
+        <p:spPr>
+          <a:xfrm>
+            <a:off x="571500" y="1895474"/>
+            <a:ext cx="5381625" cy="3847195"/>
+          </a:xfrm>
+          <a:prstGeom prst="rect">
+            <a:avLst/>
+          </a:prstGeom>
+          <a:noFill/>
+          <a:ln>
+            <a:noFill/>
+          </a:ln>
+        </p:spPr>
+      </p:pic>
+      <p:pic>
+        <p:nvPicPr>
+          <p:cNvPr id="201" name="Google Shape;201;p20" descr="image.png"/>
+          <p:cNvPicPr preferRelativeResize="0"/>
+          <p:nvPr/>
+        </p:nvPicPr>
+        <p:blipFill rotWithShape="1">
+          <a:blip r:embed="rId5">
+            <a:alphaModFix/>
+          </a:blip>
+          <a:srcRect/>
+          <a:stretch/>
+        </p:blipFill>
+        <p:spPr>
+          <a:xfrm>
+            <a:off x="6238875" y="1895475"/>
+            <a:ext cx="5381625" cy="3847194"/>
+          </a:xfrm>
+          <a:prstGeom prst="rect">
+            <a:avLst/>
+          </a:prstGeom>
+          <a:noFill/>
+          <a:ln>
+            <a:noFill/>
+          </a:ln>
+        </p:spPr>
+      </p:pic>
+      <p:sp>
+        <p:nvSpPr>
+          <p:cNvPr id="202" name="Google Shape;202;p20"/>
+          <p:cNvSpPr txBox="1"/>
+          <p:nvPr/>
+        </p:nvSpPr>
+        <p:spPr>
+          <a:xfrm>
+            <a:off x="571500" y="6186940"/>
+            <a:ext cx="11049000" cy="393954"/>
+          </a:xfrm>
+          <a:prstGeom prst="rect">
+            <a:avLst/>
+          </a:prstGeom>
+          <a:noFill/>
+          <a:ln>
+            <a:noFill/>
+          </a:ln>
+        </p:spPr>
+        <p:txBody>
+          <a:bodyPr spcFirstLastPara="1" wrap="square" lIns="190500" tIns="0" rIns="0" bIns="0" anchor="t" anchorCtr="0">
+            <a:spAutoFit/>
+          </a:bodyPr>
+          <a:lstStyle/>
+          <a:p>
+            <a:pPr lvl="0" algn="ctr">
+              <a:lnSpc>
+                <a:spcPct val="160000"/>
+              </a:lnSpc>
+            </a:pPr>
+            <a:r>
+              <a:rPr lang="vi-VN" sz="1600" b="0" i="1" u="none" strike="noStrike" cap="none">
+                <a:solidFill>
+                  <a:srgbClr val="475569"/>
+                </a:solidFill>
+                <a:latin typeface="Arial" panose="020B0604020202020204" pitchFamily="34" charset="0"/>
+                <a:ea typeface="Inter"/>
+                <a:cs typeface="Arial" panose="020B0604020202020204" pitchFamily="34" charset="0"/>
+                <a:sym typeface="Inter"/>
+              </a:rPr>
+              <a:t>Ứng dụng hoạt động mượt mà, ổn định trên các thiết bị Android 10+.</a:t>
+            </a:r>
+            <a:endParaRPr lang="vi-VN" sz="1600">
+              <a:latin typeface="Arial" panose="020B0604020202020204" pitchFamily="34" charset="0"/>
+              <a:cs typeface="Arial" panose="020B0604020202020204" pitchFamily="34" charset="0"/>
+            </a:endParaRPr>
+          </a:p>
+        </p:txBody>
+      </p:sp>
+      <p:pic>
+        <p:nvPicPr>
+          <p:cNvPr id="203" name="Google Shape;203;p20" descr="image.png"/>
+          <p:cNvPicPr preferRelativeResize="0"/>
+          <p:nvPr/>
+        </p:nvPicPr>
+        <p:blipFill rotWithShape="1">
+          <a:blip r:embed="rId6">
+            <a:alphaModFix/>
+          </a:blip>
+          <a:srcRect/>
+          <a:stretch/>
+        </p:blipFill>
+        <p:spPr>
+          <a:xfrm>
+            <a:off x="2852737" y="6312908"/>
+            <a:ext cx="190500" cy="190500"/>
+          </a:xfrm>
+          <a:prstGeom prst="rect">
+            <a:avLst/>
+          </a:prstGeom>
+          <a:noFill/>
+          <a:ln>
+            <a:noFill/>
+          </a:ln>
+        </p:spPr>
+      </p:pic>
+      <p:sp>
+        <p:nvSpPr>
+          <p:cNvPr id="204" name="Google Shape;204;p20"/>
+          <p:cNvSpPr txBox="1"/>
+          <p:nvPr/>
+        </p:nvSpPr>
+        <p:spPr>
+          <a:xfrm>
+            <a:off x="571500" y="5742670"/>
+            <a:ext cx="5381625" cy="369332"/>
+          </a:xfrm>
+          <a:prstGeom prst="rect">
+            <a:avLst/>
+          </a:prstGeom>
+          <a:noFill/>
+          <a:ln>
+            <a:noFill/>
+          </a:ln>
+        </p:spPr>
+        <p:txBody>
+          <a:bodyPr spcFirstLastPara="1" wrap="square" lIns="0" tIns="0" rIns="0" bIns="0" anchor="t" anchorCtr="0">
+            <a:spAutoFit/>
+          </a:bodyPr>
+          <a:lstStyle/>
+          <a:p>
+            <a:pPr marL="0" marR="0" lvl="0" indent="0" algn="ctr" rtl="0">
+              <a:lnSpc>
+                <a:spcPct val="160000"/>
+              </a:lnSpc>
+              <a:spcBef>
+                <a:spcPts val="0"/>
+              </a:spcBef>
+              <a:spcAft>
+                <a:spcPts val="0"/>
+              </a:spcAft>
+              <a:buNone/>
+            </a:pPr>
+            <a:r>
+              <a:rPr lang="en-US" sz="1500" b="1" i="0" u="none" strike="noStrike" cap="none">
+                <a:solidFill>
+                  <a:srgbClr val="5D4037"/>
+                </a:solidFill>
+                <a:latin typeface="Arial" panose="020B0604020202020204" pitchFamily="34" charset="0"/>
+                <a:ea typeface="Lato"/>
+                <a:cs typeface="Arial" panose="020B0604020202020204" pitchFamily="34" charset="0"/>
+                <a:sym typeface="Lato"/>
+              </a:rPr>
+              <a:t>Thanh toán thành công qua ZaloPay</a:t>
+            </a:r>
+            <a:endParaRPr>
+              <a:latin typeface="Arial" panose="020B0604020202020204" pitchFamily="34" charset="0"/>
+              <a:cs typeface="Arial" panose="020B0604020202020204" pitchFamily="34" charset="0"/>
+            </a:endParaRPr>
+          </a:p>
+        </p:txBody>
+      </p:sp>
+      <p:sp>
+        <p:nvSpPr>
+          <p:cNvPr id="205" name="Google Shape;205;p20"/>
+          <p:cNvSpPr txBox="1"/>
+          <p:nvPr/>
+        </p:nvSpPr>
+        <p:spPr>
+          <a:xfrm>
+            <a:off x="6238875" y="5742669"/>
+            <a:ext cx="5381625" cy="369332"/>
+          </a:xfrm>
+          <a:prstGeom prst="rect">
+            <a:avLst/>
+          </a:prstGeom>
+          <a:noFill/>
+          <a:ln>
+            <a:noFill/>
+          </a:ln>
+        </p:spPr>
+        <p:txBody>
+          <a:bodyPr spcFirstLastPara="1" wrap="square" lIns="0" tIns="0" rIns="0" bIns="0" anchor="t" anchorCtr="0">
+            <a:spAutoFit/>
+          </a:bodyPr>
+          <a:lstStyle/>
+          <a:p>
+            <a:pPr marL="0" marR="0" lvl="0" indent="0" algn="ctr" rtl="0">
+              <a:lnSpc>
+                <a:spcPct val="160000"/>
+              </a:lnSpc>
+              <a:spcBef>
+                <a:spcPts val="0"/>
+              </a:spcBef>
+              <a:spcAft>
+                <a:spcPts val="0"/>
+              </a:spcAft>
+              <a:buNone/>
+            </a:pPr>
+            <a:r>
+              <a:rPr lang="en-US" sz="1500" b="1" i="0" u="none" strike="noStrike" cap="none">
+                <a:solidFill>
+                  <a:srgbClr val="5D4037"/>
+                </a:solidFill>
+                <a:latin typeface="Arial" panose="020B0604020202020204" pitchFamily="34" charset="0"/>
+                <a:ea typeface="Lato"/>
+                <a:cs typeface="Arial" panose="020B0604020202020204" pitchFamily="34" charset="0"/>
+                <a:sym typeface="Lato"/>
+              </a:rPr>
+              <a:t>Tích hợp bản đồ </a:t>
+            </a:r>
+            <a:r>
+              <a:rPr lang="vi-VN" sz="1500" b="1" i="0" u="none" strike="noStrike" cap="none">
+                <a:solidFill>
+                  <a:srgbClr val="5D4037"/>
+                </a:solidFill>
+                <a:latin typeface="Arial" panose="020B0604020202020204" pitchFamily="34" charset="0"/>
+                <a:ea typeface="Lato"/>
+                <a:cs typeface="Arial" panose="020B0604020202020204" pitchFamily="34" charset="0"/>
+                <a:sym typeface="Lato"/>
+              </a:rPr>
+              <a:t>và </a:t>
+            </a:r>
+            <a:r>
+              <a:rPr lang="en-US" sz="1500" b="1">
+                <a:solidFill>
+                  <a:srgbClr val="5D4037"/>
+                </a:solidFill>
+                <a:latin typeface="Arial" panose="020B0604020202020204" pitchFamily="34" charset="0"/>
+                <a:ea typeface="Lato"/>
+                <a:cs typeface="Arial" panose="020B0604020202020204" pitchFamily="34" charset="0"/>
+                <a:sym typeface="Lato"/>
+              </a:rPr>
+              <a:t>c</a:t>
+            </a:r>
+            <a:r>
+              <a:rPr lang="en-US" sz="1500" b="1" i="0" u="none" strike="noStrike" cap="none">
+                <a:solidFill>
+                  <a:srgbClr val="5D4037"/>
+                </a:solidFill>
+                <a:latin typeface="Arial" panose="020B0604020202020204" pitchFamily="34" charset="0"/>
+                <a:ea typeface="Lato"/>
+                <a:cs typeface="Arial" panose="020B0604020202020204" pitchFamily="34" charset="0"/>
+                <a:sym typeface="Lato"/>
+              </a:rPr>
+              <a:t>họn địa chỉ</a:t>
+            </a:r>
+            <a:endParaRPr>
+              <a:latin typeface="Arial" panose="020B0604020202020204" pitchFamily="34" charset="0"/>
+              <a:cs typeface="Arial" panose="020B0604020202020204" pitchFamily="34" charset="0"/>
+            </a:endParaRPr>
+          </a:p>
+        </p:txBody>
+      </p:sp>
+      <p:sp>
+        <p:nvSpPr>
+          <p:cNvPr id="208" name="Google Shape;208;p20"/>
+          <p:cNvSpPr txBox="1"/>
+          <p:nvPr/>
+        </p:nvSpPr>
+        <p:spPr>
+          <a:xfrm>
+            <a:off x="571500" y="571500"/>
+            <a:ext cx="11601450" cy="553998"/>
+          </a:xfrm>
+          <a:prstGeom prst="rect">
+            <a:avLst/>
+          </a:prstGeom>
+          <a:noFill/>
+          <a:ln>
+            <a:noFill/>
+          </a:ln>
+        </p:spPr>
+        <p:txBody>
+          <a:bodyPr spcFirstLastPara="1" wrap="square" lIns="0" tIns="0" rIns="0" bIns="0" anchor="t" anchorCtr="0">
+            <a:spAutoFit/>
+          </a:bodyPr>
+          <a:lstStyle/>
+          <a:p>
+            <a:pPr marL="0" marR="0" lvl="0" indent="0" algn="l" rtl="0">
+              <a:spcBef>
+                <a:spcPts val="0"/>
+              </a:spcBef>
+              <a:spcAft>
+                <a:spcPts val="0"/>
+              </a:spcAft>
+              <a:buNone/>
+            </a:pPr>
+            <a:r>
+              <a:rPr lang="en-US" sz="3600" b="1" i="0" u="none" strike="noStrike" cap="none">
+                <a:solidFill>
+                  <a:srgbClr val="3E2723"/>
+                </a:solidFill>
+                <a:latin typeface="Arial" panose="020B0604020202020204" pitchFamily="34" charset="0"/>
+                <a:ea typeface="Playfair Display"/>
+                <a:cs typeface="Arial" panose="020B0604020202020204" pitchFamily="34" charset="0"/>
+                <a:sym typeface="Playfair Display"/>
+              </a:rPr>
+              <a:t>Kết Quả Đạt Được</a:t>
+            </a:r>
+            <a:endParaRPr>
+              <a:latin typeface="Arial" panose="020B0604020202020204" pitchFamily="34" charset="0"/>
+              <a:cs typeface="Arial" panose="020B0604020202020204" pitchFamily="34" charset="0"/>
+            </a:endParaRPr>
+          </a:p>
+        </p:txBody>
+      </p:sp>
+      <p:sp>
+        <p:nvSpPr>
+          <p:cNvPr id="209" name="Google Shape;209;p20"/>
+          <p:cNvSpPr/>
+          <p:nvPr/>
+        </p:nvSpPr>
+        <p:spPr>
+          <a:xfrm>
+            <a:off x="571500" y="1323975"/>
+            <a:ext cx="11049000" cy="28575"/>
+          </a:xfrm>
+          <a:prstGeom prst="rect">
+            <a:avLst/>
+          </a:prstGeom>
+          <a:solidFill>
+            <a:srgbClr val="8D6E63"/>
+          </a:solidFill>
+          <a:ln>
+            <a:noFill/>
+          </a:ln>
+        </p:spPr>
+        <p:txBody>
+          <a:bodyPr spcFirstLastPara="1" wrap="square" lIns="91425" tIns="45700" rIns="91425" bIns="45700" anchor="ctr" anchorCtr="0">
+            <a:noAutofit/>
+          </a:bodyPr>
+          <a:lstStyle/>
+          <a:p>
+            <a:pPr marL="0" marR="0" lvl="0" indent="0" algn="ctr" rtl="0">
+              <a:spcBef>
+                <a:spcPts val="0"/>
+              </a:spcBef>
+              <a:spcAft>
+                <a:spcPts val="0"/>
+              </a:spcAft>
+              <a:buNone/>
+            </a:pPr>
+            <a:endParaRPr sz="1800" b="0" i="0" u="none" strike="noStrike" cap="none">
+              <a:solidFill>
+                <a:schemeClr val="dk1"/>
+              </a:solidFill>
+              <a:latin typeface="Arial" panose="020B0604020202020204" pitchFamily="34" charset="0"/>
+              <a:ea typeface="Calibri"/>
+              <a:cs typeface="Arial" panose="020B0604020202020204" pitchFamily="34" charset="0"/>
+              <a:sym typeface="Calibri"/>
+            </a:endParaRPr>
+          </a:p>
+        </p:txBody>
+      </p:sp>
+      <p:pic>
+        <p:nvPicPr>
+          <p:cNvPr id="3" name="Hình ảnh 2">
+            <a:extLst>
+              <a:ext uri="{FF2B5EF4-FFF2-40B4-BE49-F238E27FC236}">
+                <a16:creationId xmlns:a16="http://schemas.microsoft.com/office/drawing/2014/main" id="{3B6FEBAF-03F2-976B-E39E-675FDBFC4303}"/>
+              </a:ext>
+            </a:extLst>
+          </p:cNvPr>
+          <p:cNvPicPr>
+            <a:picLocks noChangeAspect="1"/>
+          </p:cNvPicPr>
+          <p:nvPr/>
+        </p:nvPicPr>
+        <p:blipFill>
+          <a:blip r:embed="rId7"/>
+          <a:stretch>
+            <a:fillRect/>
+          </a:stretch>
+        </p:blipFill>
+        <p:spPr>
+          <a:xfrm>
+            <a:off x="1436382" y="2110467"/>
+            <a:ext cx="1606855" cy="3349760"/>
+          </a:xfrm>
+          <a:prstGeom prst="rect">
+            <a:avLst/>
+          </a:prstGeom>
+        </p:spPr>
+      </p:pic>
+      <p:pic>
+        <p:nvPicPr>
+          <p:cNvPr id="5" name="Hình ảnh 4">
+            <a:extLst>
+              <a:ext uri="{FF2B5EF4-FFF2-40B4-BE49-F238E27FC236}">
+                <a16:creationId xmlns:a16="http://schemas.microsoft.com/office/drawing/2014/main" id="{276ED483-F55F-4AEF-C3FD-CA3322D40136}"/>
+              </a:ext>
+            </a:extLst>
+          </p:cNvPr>
+          <p:cNvPicPr>
+            <a:picLocks noChangeAspect="1"/>
+          </p:cNvPicPr>
+          <p:nvPr/>
+        </p:nvPicPr>
+        <p:blipFill>
+          <a:blip r:embed="rId8"/>
+          <a:stretch>
+            <a:fillRect/>
+          </a:stretch>
+        </p:blipFill>
+        <p:spPr>
+          <a:xfrm>
+            <a:off x="3614737" y="2110466"/>
+            <a:ext cx="1606855" cy="3349759"/>
+          </a:xfrm>
+          <a:prstGeom prst="rect">
+            <a:avLst/>
+          </a:prstGeom>
+        </p:spPr>
+      </p:pic>
+      <p:pic>
+        <p:nvPicPr>
+          <p:cNvPr id="6" name="Hình ảnh 5">
+            <a:extLst>
+              <a:ext uri="{FF2B5EF4-FFF2-40B4-BE49-F238E27FC236}">
+                <a16:creationId xmlns:a16="http://schemas.microsoft.com/office/drawing/2014/main" id="{E6D100AA-33CA-29C5-2C9B-EFD7CD19354C}"/>
+              </a:ext>
+            </a:extLst>
+          </p:cNvPr>
+          <p:cNvPicPr>
+            <a:picLocks noChangeAspect="1"/>
+          </p:cNvPicPr>
+          <p:nvPr/>
+        </p:nvPicPr>
+        <p:blipFill>
+          <a:blip r:embed="rId9"/>
+          <a:stretch>
+            <a:fillRect/>
+          </a:stretch>
+        </p:blipFill>
+        <p:spPr>
+          <a:xfrm>
+            <a:off x="8135452" y="2147937"/>
+            <a:ext cx="1588470" cy="3349759"/>
+          </a:xfrm>
+          <a:prstGeom prst="rect">
+            <a:avLst/>
+          </a:prstGeom>
+        </p:spPr>
+      </p:pic>
+    </p:spTree>
+  </p:cSld>
+  <p:clrMapOvr>
+    <a:masterClrMapping/>
+  </p:clrMapOvr>
+</p:sld>
+</file>
+
+<file path=ppt/slides/slide11.xml><?xml version="1.0" encoding="utf-8"?>
+<p:sld xmlns:a="http://schemas.openxmlformats.org/drawingml/2006/main" xmlns:r="http://schemas.openxmlformats.org/officeDocument/2006/relationships" xmlns:p="http://schemas.openxmlformats.org/presentationml/2006/main">
+  <p:cSld>
+    <p:spTree>
+      <p:nvGrpSpPr>
         <p:cNvPr id="1" name="Shape 213"/>
         <p:cNvGrpSpPr/>
         <p:nvPr/>
@@ -6574,16 +7227,15 @@
               <a:buNone/>
             </a:pPr>
             <a:r>
-              <a:rPr lang="en-US" sz="1500" b="0" i="0" u="none" strike="noStrike" cap="none">
+              <a:rPr lang="vi-VN" sz="1500">
                 <a:solidFill>
                   <a:srgbClr val="0F172A"/>
                 </a:solidFill>
                 <a:latin typeface="Arial" panose="020B0604020202020204" pitchFamily="34" charset="0"/>
-                <a:ea typeface="Poppins SemiBold"/>
                 <a:cs typeface="Arial" panose="020B0604020202020204" pitchFamily="34" charset="0"/>
                 <a:sym typeface="Poppins SemiBold"/>
               </a:rPr>
-              <a:t>Push Notifications</a:t>
+              <a:t>Thống báo</a:t>
             </a:r>
             <a:endParaRPr>
               <a:latin typeface="Arial" panose="020B0604020202020204" pitchFamily="34" charset="0"/>
@@ -6761,7 +7413,7 @@
 </p:sld>
 </file>
 
-<file path=ppt/slides/slide11.xml><?xml version="1.0" encoding="utf-8"?>
+<file path=ppt/slides/slide12.xml><?xml version="1.0" encoding="utf-8"?>
 <p:sld xmlns:a="http://schemas.openxmlformats.org/drawingml/2006/main" xmlns:r="http://schemas.openxmlformats.org/officeDocument/2006/relationships" xmlns:p="http://schemas.openxmlformats.org/presentationml/2006/main">
   <p:cSld>
     <p:spTree>
@@ -7351,7 +8003,7 @@
                 <a:latin typeface="Arial" panose="020B0604020202020204" pitchFamily="34" charset="0"/>
                 <a:cs typeface="Arial" panose="020B0604020202020204" pitchFamily="34" charset="0"/>
               </a:rPr>
-              <a:t>OpenStreetMap (OSMDroid) &amp; Coil Library</a:t>
+              <a:t>OpenStreetMap (OSMDroid) and Coil Library</a:t>
             </a:r>
             <a:r>
               <a:rPr lang="vi-VN" sz="1200">
@@ -7391,7 +8043,7 @@
                 <a:latin typeface="Arial" panose="020B0604020202020204" pitchFamily="34" charset="0"/>
                 <a:cs typeface="Arial" panose="020B0604020202020204" pitchFamily="34" charset="0"/>
               </a:rPr>
-              <a:t>OkHttp và Gson for Networking.</a:t>
+              <a:t>OkHttp and Gson for Networking.</a:t>
             </a:r>
             <a:endParaRPr sz="1200" b="1">
               <a:solidFill>
@@ -7415,6 +8067,333 @@
 </file>
 
 <file path=ppt/slides/slide2.xml><?xml version="1.0" encoding="utf-8"?>
+<p:sld xmlns:a="http://schemas.openxmlformats.org/drawingml/2006/main" xmlns:r="http://schemas.openxmlformats.org/officeDocument/2006/relationships" xmlns:p="http://schemas.openxmlformats.org/presentationml/2006/main">
+  <p:cSld>
+    <p:spTree>
+      <p:nvGrpSpPr>
+        <p:cNvPr id="1" name="Shape 226">
+          <a:extLst>
+            <a:ext uri="{FF2B5EF4-FFF2-40B4-BE49-F238E27FC236}">
+              <a16:creationId xmlns:a16="http://schemas.microsoft.com/office/drawing/2014/main" id="{25D60EFC-E081-CBA5-7FEE-2ACAE9E90046}"/>
+            </a:ext>
+          </a:extLst>
+        </p:cNvPr>
+        <p:cNvGrpSpPr/>
+        <p:nvPr/>
+      </p:nvGrpSpPr>
+      <p:grpSpPr>
+        <a:xfrm>
+          <a:off x="0" y="0"/>
+          <a:ext cx="0" cy="0"/>
+          <a:chOff x="0" y="0"/>
+          <a:chExt cx="0" cy="0"/>
+        </a:xfrm>
+      </p:grpSpPr>
+      <p:pic>
+        <p:nvPicPr>
+          <p:cNvPr id="227" name="Google Shape;227;p22" descr="image.png">
+            <a:extLst>
+              <a:ext uri="{FF2B5EF4-FFF2-40B4-BE49-F238E27FC236}">
+                <a16:creationId xmlns:a16="http://schemas.microsoft.com/office/drawing/2014/main" id="{FD531AF7-E93C-4A88-F7F3-7402AED69BD8}"/>
+              </a:ext>
+            </a:extLst>
+          </p:cNvPr>
+          <p:cNvPicPr preferRelativeResize="0">
+            <a:picLocks noGrp="1" noRot="1" noMove="1" noResize="1" noEditPoints="1" noAdjustHandles="1" noChangeArrowheads="1" noChangeShapeType="1" noCrop="1"/>
+          </p:cNvPicPr>
+          <p:nvPr/>
+        </p:nvPicPr>
+        <p:blipFill rotWithShape="1">
+          <a:blip r:embed="rId3">
+            <a:alphaModFix/>
+          </a:blip>
+          <a:srcRect/>
+          <a:stretch/>
+        </p:blipFill>
+        <p:spPr>
+          <a:xfrm>
+            <a:off x="0" y="0"/>
+            <a:ext cx="12192000" cy="6858000"/>
+          </a:xfrm>
+          <a:prstGeom prst="rect">
+            <a:avLst/>
+          </a:prstGeom>
+          <a:noFill/>
+          <a:ln>
+            <a:noFill/>
+          </a:ln>
+        </p:spPr>
+      </p:pic>
+      <p:pic>
+        <p:nvPicPr>
+          <p:cNvPr id="2" name="Google Shape;227;p22" descr="image.png">
+            <a:extLst>
+              <a:ext uri="{FF2B5EF4-FFF2-40B4-BE49-F238E27FC236}">
+                <a16:creationId xmlns:a16="http://schemas.microsoft.com/office/drawing/2014/main" id="{7CFB5BBF-9D0F-A168-C6F8-37DADED3848B}"/>
+              </a:ext>
+            </a:extLst>
+          </p:cNvPr>
+          <p:cNvPicPr preferRelativeResize="0">
+            <a:picLocks noGrp="1" noRot="1" noMove="1" noResize="1" noEditPoints="1" noAdjustHandles="1" noChangeArrowheads="1" noChangeShapeType="1" noCrop="1"/>
+          </p:cNvPicPr>
+          <p:nvPr/>
+        </p:nvPicPr>
+        <p:blipFill rotWithShape="1">
+          <a:blip r:embed="rId3">
+            <a:alphaModFix/>
+          </a:blip>
+          <a:srcRect l="2769" t="5953" r="68516" b="75417"/>
+          <a:stretch>
+            <a:fillRect/>
+          </a:stretch>
+        </p:blipFill>
+        <p:spPr>
+          <a:xfrm>
+            <a:off x="3423760" y="5477121"/>
+            <a:ext cx="5182553" cy="566418"/>
+          </a:xfrm>
+          <a:prstGeom prst="rect">
+            <a:avLst/>
+          </a:prstGeom>
+          <a:noFill/>
+          <a:ln>
+            <a:noFill/>
+          </a:ln>
+        </p:spPr>
+      </p:pic>
+      <p:pic>
+        <p:nvPicPr>
+          <p:cNvPr id="228" name="Google Shape;228;p22" descr="image.png">
+            <a:extLst>
+              <a:ext uri="{FF2B5EF4-FFF2-40B4-BE49-F238E27FC236}">
+                <a16:creationId xmlns:a16="http://schemas.microsoft.com/office/drawing/2014/main" id="{CAFC307E-B507-04B3-F769-8946B216A963}"/>
+              </a:ext>
+            </a:extLst>
+          </p:cNvPr>
+          <p:cNvPicPr preferRelativeResize="0"/>
+          <p:nvPr/>
+        </p:nvPicPr>
+        <p:blipFill rotWithShape="1">
+          <a:blip r:embed="rId4">
+            <a:alphaModFix/>
+          </a:blip>
+          <a:srcRect/>
+          <a:stretch/>
+        </p:blipFill>
+        <p:spPr>
+          <a:xfrm>
+            <a:off x="4078224" y="1591057"/>
+            <a:ext cx="3922776" cy="3694388"/>
+          </a:xfrm>
+          <a:prstGeom prst="rect">
+            <a:avLst/>
+          </a:prstGeom>
+          <a:noFill/>
+          <a:ln>
+            <a:noFill/>
+          </a:ln>
+        </p:spPr>
+      </p:pic>
+      <p:sp>
+        <p:nvSpPr>
+          <p:cNvPr id="230" name="Google Shape;230;p22">
+            <a:extLst>
+              <a:ext uri="{FF2B5EF4-FFF2-40B4-BE49-F238E27FC236}">
+                <a16:creationId xmlns:a16="http://schemas.microsoft.com/office/drawing/2014/main" id="{421AD82C-CC18-0D9B-9EB6-AE4635ECF72D}"/>
+              </a:ext>
+            </a:extLst>
+          </p:cNvPr>
+          <p:cNvSpPr txBox="1"/>
+          <p:nvPr/>
+        </p:nvSpPr>
+        <p:spPr>
+          <a:xfrm>
+            <a:off x="1900238" y="937019"/>
+            <a:ext cx="8391523" cy="492443"/>
+          </a:xfrm>
+          <a:prstGeom prst="rect">
+            <a:avLst/>
+          </a:prstGeom>
+          <a:noFill/>
+          <a:ln>
+            <a:noFill/>
+          </a:ln>
+        </p:spPr>
+        <p:txBody>
+          <a:bodyPr spcFirstLastPara="1" wrap="square" lIns="0" tIns="0" rIns="0" bIns="0" anchor="t" anchorCtr="0">
+            <a:spAutoFit/>
+          </a:bodyPr>
+          <a:lstStyle/>
+          <a:p>
+            <a:pPr marL="0" marR="0" lvl="0" indent="0" algn="ctr" rtl="0">
+              <a:lnSpc>
+                <a:spcPct val="159944"/>
+              </a:lnSpc>
+              <a:spcBef>
+                <a:spcPts val="0"/>
+              </a:spcBef>
+              <a:spcAft>
+                <a:spcPts val="0"/>
+              </a:spcAft>
+              <a:buNone/>
+            </a:pPr>
+            <a:r>
+              <a:rPr lang="vi-VN" sz="2000" b="1">
+                <a:solidFill>
+                  <a:srgbClr val="5D4037"/>
+                </a:solidFill>
+                <a:latin typeface="Arial" panose="020B0604020202020204" pitchFamily="34" charset="0"/>
+                <a:ea typeface="Lato"/>
+                <a:cs typeface="Arial" panose="020B0604020202020204" pitchFamily="34" charset="0"/>
+                <a:sym typeface="Lato"/>
+              </a:rPr>
+              <a:t>Mời bạn tải ứng dụng để trải nghiệm cùng chúng tôi</a:t>
+            </a:r>
+            <a:endParaRPr sz="2000" b="1">
+              <a:latin typeface="Arial" panose="020B0604020202020204" pitchFamily="34" charset="0"/>
+              <a:cs typeface="Arial" panose="020B0604020202020204" pitchFamily="34" charset="0"/>
+            </a:endParaRPr>
+          </a:p>
+        </p:txBody>
+      </p:sp>
+      <p:pic>
+        <p:nvPicPr>
+          <p:cNvPr id="7" name="Hình ảnh 6" descr="Ảnh có chứa mẫu, hình vuông, Đồ họa, điểm ảnh&#10;&#10;Nội dung do AI tạo ra có thể không chính xác.">
+            <a:extLst>
+              <a:ext uri="{FF2B5EF4-FFF2-40B4-BE49-F238E27FC236}">
+                <a16:creationId xmlns:a16="http://schemas.microsoft.com/office/drawing/2014/main" id="{901A2C58-C59A-89F7-2EC9-9D7B879180A7}"/>
+              </a:ext>
+            </a:extLst>
+          </p:cNvPr>
+          <p:cNvPicPr>
+            <a:picLocks noChangeAspect="1"/>
+          </p:cNvPicPr>
+          <p:nvPr/>
+        </p:nvPicPr>
+        <p:blipFill>
+          <a:blip r:embed="rId5">
+            <a:extLst>
+              <a:ext uri="{28A0092B-C50C-407E-A947-70E740481C1C}">
+                <a14:useLocalDpi xmlns:a14="http://schemas.microsoft.com/office/drawing/2010/main" val="0"/>
+              </a:ext>
+            </a:extLst>
+          </a:blip>
+          <a:stretch>
+            <a:fillRect/>
+          </a:stretch>
+        </p:blipFill>
+        <p:spPr>
+          <a:xfrm>
+            <a:off x="4418075" y="1751076"/>
+            <a:ext cx="3355848" cy="3355848"/>
+          </a:xfrm>
+          <a:prstGeom prst="rect">
+            <a:avLst/>
+          </a:prstGeom>
+        </p:spPr>
+      </p:pic>
+      <p:sp>
+        <p:nvSpPr>
+          <p:cNvPr id="3" name="Google Shape;230;p22">
+            <a:extLst>
+              <a:ext uri="{FF2B5EF4-FFF2-40B4-BE49-F238E27FC236}">
+                <a16:creationId xmlns:a16="http://schemas.microsoft.com/office/drawing/2014/main" id="{95B132B5-02F1-3079-3D1D-2D29664787BF}"/>
+              </a:ext>
+            </a:extLst>
+          </p:cNvPr>
+          <p:cNvSpPr txBox="1"/>
+          <p:nvPr/>
+        </p:nvSpPr>
+        <p:spPr>
+          <a:xfrm>
+            <a:off x="0" y="5455688"/>
+            <a:ext cx="12192000" cy="935641"/>
+          </a:xfrm>
+          <a:prstGeom prst="rect">
+            <a:avLst/>
+          </a:prstGeom>
+          <a:noFill/>
+          <a:ln>
+            <a:noFill/>
+          </a:ln>
+        </p:spPr>
+        <p:txBody>
+          <a:bodyPr spcFirstLastPara="1" wrap="square" lIns="0" tIns="0" rIns="0" bIns="0" anchor="t" anchorCtr="0">
+            <a:spAutoFit/>
+          </a:bodyPr>
+          <a:lstStyle/>
+          <a:p>
+            <a:pPr marL="0" marR="0" lvl="0" indent="0" algn="ctr" rtl="0">
+              <a:lnSpc>
+                <a:spcPct val="159944"/>
+              </a:lnSpc>
+              <a:spcBef>
+                <a:spcPts val="0"/>
+              </a:spcBef>
+              <a:spcAft>
+                <a:spcPts val="0"/>
+              </a:spcAft>
+              <a:buNone/>
+            </a:pPr>
+            <a:r>
+              <a:rPr lang="vi-VN" sz="2000" b="1">
+                <a:solidFill>
+                  <a:srgbClr val="FF0000"/>
+                </a:solidFill>
+                <a:latin typeface="Arial" panose="020B0604020202020204" pitchFamily="34" charset="0"/>
+                <a:ea typeface="Lato"/>
+                <a:cs typeface="Arial" panose="020B0604020202020204" pitchFamily="34" charset="0"/>
+                <a:sym typeface="Lato"/>
+              </a:rPr>
+              <a:t>Chỉ Android mới có thể tải</a:t>
+            </a:r>
+          </a:p>
+          <a:p>
+            <a:pPr marL="0" marR="0" lvl="0" indent="0" algn="ctr" rtl="0">
+              <a:lnSpc>
+                <a:spcPct val="159944"/>
+              </a:lnSpc>
+              <a:spcBef>
+                <a:spcPts val="0"/>
+              </a:spcBef>
+              <a:spcAft>
+                <a:spcPts val="0"/>
+              </a:spcAft>
+              <a:buNone/>
+            </a:pPr>
+            <a:r>
+              <a:rPr lang="vi-VN" b="1">
+                <a:solidFill>
+                  <a:srgbClr val="5D4037"/>
+                </a:solidFill>
+                <a:latin typeface="Arial" panose="020B0604020202020204" pitchFamily="34" charset="0"/>
+                <a:ea typeface="Lato"/>
+                <a:cs typeface="Arial" panose="020B0604020202020204" pitchFamily="34" charset="0"/>
+                <a:sym typeface="Lato"/>
+              </a:rPr>
+              <a:t>Link sẽ yêu cầu mở liên kết Driver &gt; chọn tài khoản &gt; yêu cầu mở bằng trình cài đặt gói và cài đặt</a:t>
+            </a:r>
+            <a:endParaRPr sz="2000" b="1">
+              <a:latin typeface="Arial" panose="020B0604020202020204" pitchFamily="34" charset="0"/>
+              <a:cs typeface="Arial" panose="020B0604020202020204" pitchFamily="34" charset="0"/>
+            </a:endParaRPr>
+          </a:p>
+        </p:txBody>
+      </p:sp>
+    </p:spTree>
+    <p:extLst>
+      <p:ext uri="{BB962C8B-B14F-4D97-AF65-F5344CB8AC3E}">
+        <p14:creationId xmlns:p14="http://schemas.microsoft.com/office/powerpoint/2010/main" val="2042647098"/>
+      </p:ext>
+    </p:extLst>
+  </p:cSld>
+  <p:clrMapOvr>
+    <a:masterClrMapping/>
+  </p:clrMapOvr>
+</p:sld>
+</file>
+
+<file path=ppt/slides/slide3.xml><?xml version="1.0" encoding="utf-8"?>
 <p:sld xmlns:a="http://schemas.openxmlformats.org/drawingml/2006/main" xmlns:r="http://schemas.openxmlformats.org/officeDocument/2006/relationships" xmlns:p="http://schemas.openxmlformats.org/presentationml/2006/main">
   <p:cSld>
     <p:spTree>
@@ -8059,7 +9038,7 @@
 </p:sld>
 </file>
 
-<file path=ppt/slides/slide3.xml><?xml version="1.0" encoding="utf-8"?>
+<file path=ppt/slides/slide4.xml><?xml version="1.0" encoding="utf-8"?>
 <p:sld xmlns:a="http://schemas.openxmlformats.org/drawingml/2006/main" xmlns:r="http://schemas.openxmlformats.org/officeDocument/2006/relationships" xmlns:p="http://schemas.openxmlformats.org/presentationml/2006/main">
   <p:cSld>
     <p:spTree>
@@ -8536,7 +9515,7 @@
 </p:sld>
 </file>
 
-<file path=ppt/slides/slide4.xml><?xml version="1.0" encoding="utf-8"?>
+<file path=ppt/slides/slide5.xml><?xml version="1.0" encoding="utf-8"?>
 <p:sld xmlns:a="http://schemas.openxmlformats.org/drawingml/2006/main" xmlns:r="http://schemas.openxmlformats.org/officeDocument/2006/relationships" xmlns:p="http://schemas.openxmlformats.org/presentationml/2006/main">
   <p:cSld>
     <p:spTree>
@@ -8668,8 +9647,352 @@
         </p:nvSpPr>
         <p:spPr>
           <a:xfrm>
-            <a:off x="3452811" y="5962650"/>
-            <a:ext cx="5286375" cy="369332"/>
+            <a:off x="571500" y="6004141"/>
+            <a:ext cx="11123675" cy="393954"/>
+          </a:xfrm>
+          <a:prstGeom prst="rect">
+            <a:avLst/>
+          </a:prstGeom>
+          <a:noFill/>
+          <a:ln>
+            <a:noFill/>
+          </a:ln>
+        </p:spPr>
+        <p:txBody>
+          <a:bodyPr spcFirstLastPara="1" wrap="square" lIns="0" tIns="0" rIns="0" bIns="0" anchor="t" anchorCtr="0">
+            <a:spAutoFit/>
+          </a:bodyPr>
+          <a:lstStyle/>
+          <a:p>
+            <a:pPr lvl="0">
+              <a:lnSpc>
+                <a:spcPct val="160000"/>
+              </a:lnSpc>
+            </a:pPr>
+            <a:r>
+              <a:rPr lang="vi-VN" sz="1600"/>
+              <a:t>Xây dựng một luồng trải nghiệm trọn vẹn từ </a:t>
+            </a:r>
+            <a:r>
+              <a:rPr lang="vi-VN" sz="1600" b="1"/>
+              <a:t>đăng nhập</a:t>
+            </a:r>
+            <a:r>
+              <a:rPr lang="vi-VN" sz="1600"/>
+              <a:t>, chọn món cho đến </a:t>
+            </a:r>
+            <a:r>
+              <a:rPr lang="vi-VN" sz="1600" b="1"/>
+              <a:t>thanh toán  </a:t>
+            </a:r>
+            <a:r>
+              <a:rPr lang="vi-VN" sz="1600"/>
+              <a:t>đảm bảo tính nhất quán</a:t>
+            </a:r>
+            <a:endParaRPr>
+              <a:latin typeface="Arial" panose="020B0604020202020204" pitchFamily="34" charset="0"/>
+              <a:cs typeface="Arial" panose="020B0604020202020204" pitchFamily="34" charset="0"/>
+            </a:endParaRPr>
+          </a:p>
+        </p:txBody>
+      </p:sp>
+      <p:sp>
+        <p:nvSpPr>
+          <p:cNvPr id="143" name="Google Shape;143;p16"/>
+          <p:cNvSpPr txBox="1"/>
+          <p:nvPr/>
+        </p:nvSpPr>
+        <p:spPr>
+          <a:xfrm>
+            <a:off x="571500" y="400050"/>
+            <a:ext cx="11601450" cy="553998"/>
+          </a:xfrm>
+          <a:prstGeom prst="rect">
+            <a:avLst/>
+          </a:prstGeom>
+          <a:noFill/>
+          <a:ln>
+            <a:noFill/>
+          </a:ln>
+        </p:spPr>
+        <p:txBody>
+          <a:bodyPr spcFirstLastPara="1" wrap="square" lIns="0" tIns="0" rIns="0" bIns="0" anchor="t" anchorCtr="0">
+            <a:spAutoFit/>
+          </a:bodyPr>
+          <a:lstStyle/>
+          <a:p>
+            <a:pPr marL="0" marR="0" lvl="0" indent="0" algn="l" rtl="0">
+              <a:spcBef>
+                <a:spcPts val="0"/>
+              </a:spcBef>
+              <a:spcAft>
+                <a:spcPts val="0"/>
+              </a:spcAft>
+              <a:buNone/>
+            </a:pPr>
+            <a:r>
+              <a:rPr lang="en-US" sz="3600" b="1" i="0" u="none" strike="noStrike" cap="none">
+                <a:solidFill>
+                  <a:srgbClr val="3E2723"/>
+                </a:solidFill>
+                <a:latin typeface="Arial" panose="020B0604020202020204" pitchFamily="34" charset="0"/>
+                <a:ea typeface="Playfair Display"/>
+                <a:cs typeface="Arial" panose="020B0604020202020204" pitchFamily="34" charset="0"/>
+                <a:sym typeface="Playfair Display"/>
+              </a:rPr>
+              <a:t>Thiết Kế</a:t>
+            </a:r>
+            <a:endParaRPr>
+              <a:latin typeface="Arial" panose="020B0604020202020204" pitchFamily="34" charset="0"/>
+              <a:cs typeface="Arial" panose="020B0604020202020204" pitchFamily="34" charset="0"/>
+            </a:endParaRPr>
+          </a:p>
+        </p:txBody>
+      </p:sp>
+      <p:sp>
+        <p:nvSpPr>
+          <p:cNvPr id="144" name="Google Shape;144;p16"/>
+          <p:cNvSpPr/>
+          <p:nvPr/>
+        </p:nvSpPr>
+        <p:spPr>
+          <a:xfrm>
+            <a:off x="571500" y="1152525"/>
+            <a:ext cx="11049000" cy="28575"/>
+          </a:xfrm>
+          <a:prstGeom prst="rect">
+            <a:avLst/>
+          </a:prstGeom>
+          <a:solidFill>
+            <a:srgbClr val="8D6E63"/>
+          </a:solidFill>
+          <a:ln>
+            <a:noFill/>
+          </a:ln>
+        </p:spPr>
+        <p:txBody>
+          <a:bodyPr spcFirstLastPara="1" wrap="square" lIns="91425" tIns="45700" rIns="91425" bIns="45700" anchor="ctr" anchorCtr="0">
+            <a:noAutofit/>
+          </a:bodyPr>
+          <a:lstStyle/>
+          <a:p>
+            <a:pPr marL="0" marR="0" lvl="0" indent="0" algn="ctr" rtl="0">
+              <a:spcBef>
+                <a:spcPts val="0"/>
+              </a:spcBef>
+              <a:spcAft>
+                <a:spcPts val="0"/>
+              </a:spcAft>
+              <a:buNone/>
+            </a:pPr>
+            <a:endParaRPr sz="1800" b="0" i="0" u="none" strike="noStrike" cap="none">
+              <a:solidFill>
+                <a:schemeClr val="dk1"/>
+              </a:solidFill>
+              <a:latin typeface="Arial" panose="020B0604020202020204" pitchFamily="34" charset="0"/>
+              <a:ea typeface="Calibri"/>
+              <a:cs typeface="Arial" panose="020B0604020202020204" pitchFamily="34" charset="0"/>
+              <a:sym typeface="Calibri"/>
+            </a:endParaRPr>
+          </a:p>
+        </p:txBody>
+      </p:sp>
+      <p:pic>
+        <p:nvPicPr>
+          <p:cNvPr id="4" name="Hình ảnh 3" descr="Ảnh có chứa văn bản, ảnh chụp màn hình, thiết kế&#10;&#10;Nội dung do AI tạo ra có thể không chính xác.">
+            <a:extLst>
+              <a:ext uri="{FF2B5EF4-FFF2-40B4-BE49-F238E27FC236}">
+                <a16:creationId xmlns:a16="http://schemas.microsoft.com/office/drawing/2014/main" id="{92C4134B-EE8C-C6BF-3C61-C458A6A05616}"/>
+              </a:ext>
+            </a:extLst>
+          </p:cNvPr>
+          <p:cNvPicPr>
+            <a:picLocks noChangeAspect="1"/>
+          </p:cNvPicPr>
+          <p:nvPr/>
+        </p:nvPicPr>
+        <p:blipFill>
+          <a:blip r:embed="rId5"/>
+          <a:stretch>
+            <a:fillRect/>
+          </a:stretch>
+        </p:blipFill>
+        <p:spPr>
+          <a:xfrm>
+            <a:off x="1199208" y="2380222"/>
+            <a:ext cx="1415758" cy="3087471"/>
+          </a:xfrm>
+          <a:prstGeom prst="rect">
+            <a:avLst/>
+          </a:prstGeom>
+        </p:spPr>
+      </p:pic>
+      <p:pic>
+        <p:nvPicPr>
+          <p:cNvPr id="6" name="Hình ảnh 5" descr="Ảnh có chứa văn bản, ảnh chụp màn hình, Website, Trang web&#10;&#10;Nội dung do AI tạo ra có thể không chính xác.">
+            <a:extLst>
+              <a:ext uri="{FF2B5EF4-FFF2-40B4-BE49-F238E27FC236}">
+                <a16:creationId xmlns:a16="http://schemas.microsoft.com/office/drawing/2014/main" id="{11AF7B1D-A247-D6D2-4B1E-DFD4544AEE0F}"/>
+              </a:ext>
+            </a:extLst>
+          </p:cNvPr>
+          <p:cNvPicPr>
+            <a:picLocks noChangeAspect="1"/>
+          </p:cNvPicPr>
+          <p:nvPr/>
+        </p:nvPicPr>
+        <p:blipFill>
+          <a:blip r:embed="rId6"/>
+          <a:stretch>
+            <a:fillRect/>
+          </a:stretch>
+        </p:blipFill>
+        <p:spPr>
+          <a:xfrm>
+            <a:off x="2811379" y="2380222"/>
+            <a:ext cx="1480518" cy="3087471"/>
+          </a:xfrm>
+          <a:prstGeom prst="rect">
+            <a:avLst/>
+          </a:prstGeom>
+        </p:spPr>
+      </p:pic>
+      <p:pic>
+        <p:nvPicPr>
+          <p:cNvPr id="8" name="Hình ảnh 7" descr="Ảnh có chứa văn bản, ảnh chụp màn hình, Trang web, Website&#10;&#10;Nội dung do AI tạo ra có thể không chính xác.">
+            <a:extLst>
+              <a:ext uri="{FF2B5EF4-FFF2-40B4-BE49-F238E27FC236}">
+                <a16:creationId xmlns:a16="http://schemas.microsoft.com/office/drawing/2014/main" id="{ED2CC5F9-10A4-C577-EEA4-4F2B384AFA32}"/>
+              </a:ext>
+            </a:extLst>
+          </p:cNvPr>
+          <p:cNvPicPr>
+            <a:picLocks noChangeAspect="1"/>
+          </p:cNvPicPr>
+          <p:nvPr/>
+        </p:nvPicPr>
+        <p:blipFill>
+          <a:blip r:embed="rId7"/>
+          <a:stretch>
+            <a:fillRect/>
+          </a:stretch>
+        </p:blipFill>
+        <p:spPr>
+          <a:xfrm>
+            <a:off x="6117052" y="2380222"/>
+            <a:ext cx="1477944" cy="3086724"/>
+          </a:xfrm>
+          <a:prstGeom prst="rect">
+            <a:avLst/>
+          </a:prstGeom>
+        </p:spPr>
+      </p:pic>
+      <p:pic>
+        <p:nvPicPr>
+          <p:cNvPr id="16" name="Hình ảnh 15" descr="Ảnh có chứa văn bản, ảnh chụp màn hình, Website, Trang web&#10;&#10;Nội dung do AI tạo ra có thể không chính xác.">
+            <a:extLst>
+              <a:ext uri="{FF2B5EF4-FFF2-40B4-BE49-F238E27FC236}">
+                <a16:creationId xmlns:a16="http://schemas.microsoft.com/office/drawing/2014/main" id="{C6239873-7ADE-979B-4FAB-29C0F3B3990D}"/>
+              </a:ext>
+            </a:extLst>
+          </p:cNvPr>
+          <p:cNvPicPr>
+            <a:picLocks noChangeAspect="1"/>
+          </p:cNvPicPr>
+          <p:nvPr/>
+        </p:nvPicPr>
+        <p:blipFill>
+          <a:blip r:embed="rId8"/>
+          <a:stretch>
+            <a:fillRect/>
+          </a:stretch>
+        </p:blipFill>
+        <p:spPr>
+          <a:xfrm>
+            <a:off x="4488310" y="2380222"/>
+            <a:ext cx="1432329" cy="3086724"/>
+          </a:xfrm>
+          <a:prstGeom prst="rect">
+            <a:avLst/>
+          </a:prstGeom>
+        </p:spPr>
+      </p:pic>
+      <p:pic>
+        <p:nvPicPr>
+          <p:cNvPr id="18" name="Hình ảnh 17" descr="Ảnh có chứa văn bản, ảnh chụp màn hình, Phông chữ, thiết kế&#10;&#10;Nội dung do AI tạo ra có thể không chính xác.">
+            <a:extLst>
+              <a:ext uri="{FF2B5EF4-FFF2-40B4-BE49-F238E27FC236}">
+                <a16:creationId xmlns:a16="http://schemas.microsoft.com/office/drawing/2014/main" id="{5FA5AC16-47BF-7250-6A22-8A4AB36DC779}"/>
+              </a:ext>
+            </a:extLst>
+          </p:cNvPr>
+          <p:cNvPicPr>
+            <a:picLocks noChangeAspect="1"/>
+          </p:cNvPicPr>
+          <p:nvPr/>
+        </p:nvPicPr>
+        <p:blipFill>
+          <a:blip r:embed="rId9"/>
+          <a:stretch>
+            <a:fillRect/>
+          </a:stretch>
+        </p:blipFill>
+        <p:spPr>
+          <a:xfrm>
+            <a:off x="7791409" y="2380222"/>
+            <a:ext cx="1494053" cy="3086724"/>
+          </a:xfrm>
+          <a:prstGeom prst="rect">
+            <a:avLst/>
+          </a:prstGeom>
+        </p:spPr>
+      </p:pic>
+      <p:pic>
+        <p:nvPicPr>
+          <p:cNvPr id="20" name="Hình ảnh 19" descr="Ảnh có chứa văn bản, ảnh chụp màn hình, phần mềm&#10;&#10;Nội dung do AI tạo ra có thể không chính xác.">
+            <a:extLst>
+              <a:ext uri="{FF2B5EF4-FFF2-40B4-BE49-F238E27FC236}">
+                <a16:creationId xmlns:a16="http://schemas.microsoft.com/office/drawing/2014/main" id="{5CA6730C-CAD6-83C9-449F-6DD3D82A5D24}"/>
+              </a:ext>
+            </a:extLst>
+          </p:cNvPr>
+          <p:cNvPicPr>
+            <a:picLocks noChangeAspect="1"/>
+          </p:cNvPicPr>
+          <p:nvPr/>
+        </p:nvPicPr>
+        <p:blipFill>
+          <a:blip r:embed="rId10"/>
+          <a:stretch>
+            <a:fillRect/>
+          </a:stretch>
+        </p:blipFill>
+        <p:spPr>
+          <a:xfrm>
+            <a:off x="9485787" y="2380222"/>
+            <a:ext cx="1490142" cy="3086724"/>
+          </a:xfrm>
+          <a:prstGeom prst="rect">
+            <a:avLst/>
+          </a:prstGeom>
+        </p:spPr>
+      </p:pic>
+      <p:sp>
+        <p:nvSpPr>
+          <p:cNvPr id="2" name="Google Shape;138;p16">
+            <a:extLst>
+              <a:ext uri="{FF2B5EF4-FFF2-40B4-BE49-F238E27FC236}">
+                <a16:creationId xmlns:a16="http://schemas.microsoft.com/office/drawing/2014/main" id="{8A6223FA-80C4-1A5A-8722-9281E1F48AB9}"/>
+              </a:ext>
+            </a:extLst>
+          </p:cNvPr>
+          <p:cNvSpPr txBox="1"/>
+          <p:nvPr/>
+        </p:nvSpPr>
+        <p:spPr>
+          <a:xfrm>
+            <a:off x="285939" y="1723682"/>
+            <a:ext cx="2109789" cy="369332"/>
           </a:xfrm>
           <a:prstGeom prst="rect">
             <a:avLst/>
@@ -8716,287 +10039,6 @@
           </a:p>
         </p:txBody>
       </p:sp>
-      <p:sp>
-        <p:nvSpPr>
-          <p:cNvPr id="143" name="Google Shape;143;p16"/>
-          <p:cNvSpPr txBox="1"/>
-          <p:nvPr/>
-        </p:nvSpPr>
-        <p:spPr>
-          <a:xfrm>
-            <a:off x="571500" y="400050"/>
-            <a:ext cx="11601450" cy="553998"/>
-          </a:xfrm>
-          <a:prstGeom prst="rect">
-            <a:avLst/>
-          </a:prstGeom>
-          <a:noFill/>
-          <a:ln>
-            <a:noFill/>
-          </a:ln>
-        </p:spPr>
-        <p:txBody>
-          <a:bodyPr spcFirstLastPara="1" wrap="square" lIns="0" tIns="0" rIns="0" bIns="0" anchor="t" anchorCtr="0">
-            <a:spAutoFit/>
-          </a:bodyPr>
-          <a:lstStyle/>
-          <a:p>
-            <a:pPr marL="0" marR="0" lvl="0" indent="0" algn="l" rtl="0">
-              <a:spcBef>
-                <a:spcPts val="0"/>
-              </a:spcBef>
-              <a:spcAft>
-                <a:spcPts val="0"/>
-              </a:spcAft>
-              <a:buNone/>
-            </a:pPr>
-            <a:r>
-              <a:rPr lang="en-US" sz="3600" b="1" i="0" u="none" strike="noStrike" cap="none">
-                <a:solidFill>
-                  <a:srgbClr val="3E2723"/>
-                </a:solidFill>
-                <a:latin typeface="Arial" panose="020B0604020202020204" pitchFamily="34" charset="0"/>
-                <a:ea typeface="Playfair Display"/>
-                <a:cs typeface="Arial" panose="020B0604020202020204" pitchFamily="34" charset="0"/>
-                <a:sym typeface="Playfair Display"/>
-              </a:rPr>
-              <a:t>Thiết Kế</a:t>
-            </a:r>
-            <a:endParaRPr>
-              <a:latin typeface="Arial" panose="020B0604020202020204" pitchFamily="34" charset="0"/>
-              <a:cs typeface="Arial" panose="020B0604020202020204" pitchFamily="34" charset="0"/>
-            </a:endParaRPr>
-          </a:p>
-        </p:txBody>
-      </p:sp>
-      <p:sp>
-        <p:nvSpPr>
-          <p:cNvPr id="144" name="Google Shape;144;p16"/>
-          <p:cNvSpPr/>
-          <p:nvPr/>
-        </p:nvSpPr>
-        <p:spPr>
-          <a:xfrm>
-            <a:off x="571500" y="1152525"/>
-            <a:ext cx="11049000" cy="28575"/>
-          </a:xfrm>
-          <a:prstGeom prst="rect">
-            <a:avLst/>
-          </a:prstGeom>
-          <a:solidFill>
-            <a:srgbClr val="8D6E63"/>
-          </a:solidFill>
-          <a:ln>
-            <a:noFill/>
-          </a:ln>
-        </p:spPr>
-        <p:txBody>
-          <a:bodyPr spcFirstLastPara="1" wrap="square" lIns="91425" tIns="45700" rIns="91425" bIns="45700" anchor="ctr" anchorCtr="0">
-            <a:noAutofit/>
-          </a:bodyPr>
-          <a:lstStyle/>
-          <a:p>
-            <a:pPr marL="0" marR="0" lvl="0" indent="0" algn="ctr" rtl="0">
-              <a:spcBef>
-                <a:spcPts val="0"/>
-              </a:spcBef>
-              <a:spcAft>
-                <a:spcPts val="0"/>
-              </a:spcAft>
-              <a:buNone/>
-            </a:pPr>
-            <a:endParaRPr sz="1800" b="0" i="0" u="none" strike="noStrike" cap="none">
-              <a:solidFill>
-                <a:schemeClr val="dk1"/>
-              </a:solidFill>
-              <a:latin typeface="Arial" panose="020B0604020202020204" pitchFamily="34" charset="0"/>
-              <a:ea typeface="Calibri"/>
-              <a:cs typeface="Arial" panose="020B0604020202020204" pitchFamily="34" charset="0"/>
-              <a:sym typeface="Calibri"/>
-            </a:endParaRPr>
-          </a:p>
-        </p:txBody>
-      </p:sp>
-      <p:pic>
-        <p:nvPicPr>
-          <p:cNvPr id="4" name="Hình ảnh 3" descr="Ảnh có chứa văn bản, ảnh chụp màn hình, thiết kế&#10;&#10;Nội dung do AI tạo ra có thể không chính xác.">
-            <a:extLst>
-              <a:ext uri="{FF2B5EF4-FFF2-40B4-BE49-F238E27FC236}">
-                <a16:creationId xmlns:a16="http://schemas.microsoft.com/office/drawing/2014/main" id="{92C4134B-EE8C-C6BF-3C61-C458A6A05616}"/>
-              </a:ext>
-            </a:extLst>
-          </p:cNvPr>
-          <p:cNvPicPr>
-            <a:picLocks noChangeAspect="1"/>
-          </p:cNvPicPr>
-          <p:nvPr/>
-        </p:nvPicPr>
-        <p:blipFill>
-          <a:blip r:embed="rId5"/>
-          <a:stretch>
-            <a:fillRect/>
-          </a:stretch>
-        </p:blipFill>
-        <p:spPr>
-          <a:xfrm>
-            <a:off x="1199208" y="2380222"/>
-            <a:ext cx="1415758" cy="3087471"/>
-          </a:xfrm>
-          <a:prstGeom prst="rect">
-            <a:avLst/>
-          </a:prstGeom>
-        </p:spPr>
-      </p:pic>
-      <p:pic>
-        <p:nvPicPr>
-          <p:cNvPr id="6" name="Hình ảnh 5" descr="Ảnh có chứa văn bản, ảnh chụp màn hình, Website, Trang web&#10;&#10;Nội dung do AI tạo ra có thể không chính xác.">
-            <a:extLst>
-              <a:ext uri="{FF2B5EF4-FFF2-40B4-BE49-F238E27FC236}">
-                <a16:creationId xmlns:a16="http://schemas.microsoft.com/office/drawing/2014/main" id="{11AF7B1D-A247-D6D2-4B1E-DFD4544AEE0F}"/>
-              </a:ext>
-            </a:extLst>
-          </p:cNvPr>
-          <p:cNvPicPr>
-            <a:picLocks noChangeAspect="1"/>
-          </p:cNvPicPr>
-          <p:nvPr/>
-        </p:nvPicPr>
-        <p:blipFill>
-          <a:blip r:embed="rId6"/>
-          <a:stretch>
-            <a:fillRect/>
-          </a:stretch>
-        </p:blipFill>
-        <p:spPr>
-          <a:xfrm>
-            <a:off x="2811379" y="2380222"/>
-            <a:ext cx="1480518" cy="3087471"/>
-          </a:xfrm>
-          <a:prstGeom prst="rect">
-            <a:avLst/>
-          </a:prstGeom>
-        </p:spPr>
-      </p:pic>
-      <p:pic>
-        <p:nvPicPr>
-          <p:cNvPr id="8" name="Hình ảnh 7" descr="Ảnh có chứa văn bản, ảnh chụp màn hình, Trang web, Website&#10;&#10;Nội dung do AI tạo ra có thể không chính xác.">
-            <a:extLst>
-              <a:ext uri="{FF2B5EF4-FFF2-40B4-BE49-F238E27FC236}">
-                <a16:creationId xmlns:a16="http://schemas.microsoft.com/office/drawing/2014/main" id="{ED2CC5F9-10A4-C577-EEA4-4F2B384AFA32}"/>
-              </a:ext>
-            </a:extLst>
-          </p:cNvPr>
-          <p:cNvPicPr>
-            <a:picLocks noChangeAspect="1"/>
-          </p:cNvPicPr>
-          <p:nvPr/>
-        </p:nvPicPr>
-        <p:blipFill>
-          <a:blip r:embed="rId7"/>
-          <a:stretch>
-            <a:fillRect/>
-          </a:stretch>
-        </p:blipFill>
-        <p:spPr>
-          <a:xfrm>
-            <a:off x="6117052" y="2380222"/>
-            <a:ext cx="1477944" cy="3086724"/>
-          </a:xfrm>
-          <a:prstGeom prst="rect">
-            <a:avLst/>
-          </a:prstGeom>
-        </p:spPr>
-      </p:pic>
-      <p:pic>
-        <p:nvPicPr>
-          <p:cNvPr id="16" name="Hình ảnh 15" descr="Ảnh có chứa văn bản, ảnh chụp màn hình, Website, Trang web&#10;&#10;Nội dung do AI tạo ra có thể không chính xác.">
-            <a:extLst>
-              <a:ext uri="{FF2B5EF4-FFF2-40B4-BE49-F238E27FC236}">
-                <a16:creationId xmlns:a16="http://schemas.microsoft.com/office/drawing/2014/main" id="{C6239873-7ADE-979B-4FAB-29C0F3B3990D}"/>
-              </a:ext>
-            </a:extLst>
-          </p:cNvPr>
-          <p:cNvPicPr>
-            <a:picLocks noChangeAspect="1"/>
-          </p:cNvPicPr>
-          <p:nvPr/>
-        </p:nvPicPr>
-        <p:blipFill>
-          <a:blip r:embed="rId8"/>
-          <a:stretch>
-            <a:fillRect/>
-          </a:stretch>
-        </p:blipFill>
-        <p:spPr>
-          <a:xfrm>
-            <a:off x="4488310" y="2380222"/>
-            <a:ext cx="1432329" cy="3086724"/>
-          </a:xfrm>
-          <a:prstGeom prst="rect">
-            <a:avLst/>
-          </a:prstGeom>
-        </p:spPr>
-      </p:pic>
-      <p:pic>
-        <p:nvPicPr>
-          <p:cNvPr id="18" name="Hình ảnh 17" descr="Ảnh có chứa văn bản, ảnh chụp màn hình, Phông chữ, thiết kế&#10;&#10;Nội dung do AI tạo ra có thể không chính xác.">
-            <a:extLst>
-              <a:ext uri="{FF2B5EF4-FFF2-40B4-BE49-F238E27FC236}">
-                <a16:creationId xmlns:a16="http://schemas.microsoft.com/office/drawing/2014/main" id="{5FA5AC16-47BF-7250-6A22-8A4AB36DC779}"/>
-              </a:ext>
-            </a:extLst>
-          </p:cNvPr>
-          <p:cNvPicPr>
-            <a:picLocks noChangeAspect="1"/>
-          </p:cNvPicPr>
-          <p:nvPr/>
-        </p:nvPicPr>
-        <p:blipFill>
-          <a:blip r:embed="rId9"/>
-          <a:stretch>
-            <a:fillRect/>
-          </a:stretch>
-        </p:blipFill>
-        <p:spPr>
-          <a:xfrm>
-            <a:off x="7791409" y="2380222"/>
-            <a:ext cx="1494053" cy="3086724"/>
-          </a:xfrm>
-          <a:prstGeom prst="rect">
-            <a:avLst/>
-          </a:prstGeom>
-        </p:spPr>
-      </p:pic>
-      <p:pic>
-        <p:nvPicPr>
-          <p:cNvPr id="20" name="Hình ảnh 19" descr="Ảnh có chứa văn bản, ảnh chụp màn hình, phần mềm&#10;&#10;Nội dung do AI tạo ra có thể không chính xác.">
-            <a:extLst>
-              <a:ext uri="{FF2B5EF4-FFF2-40B4-BE49-F238E27FC236}">
-                <a16:creationId xmlns:a16="http://schemas.microsoft.com/office/drawing/2014/main" id="{5CA6730C-CAD6-83C9-449F-6DD3D82A5D24}"/>
-              </a:ext>
-            </a:extLst>
-          </p:cNvPr>
-          <p:cNvPicPr>
-            <a:picLocks noChangeAspect="1"/>
-          </p:cNvPicPr>
-          <p:nvPr/>
-        </p:nvPicPr>
-        <p:blipFill>
-          <a:blip r:embed="rId10"/>
-          <a:stretch>
-            <a:fillRect/>
-          </a:stretch>
-        </p:blipFill>
-        <p:spPr>
-          <a:xfrm>
-            <a:off x="9485787" y="2380222"/>
-            <a:ext cx="1490142" cy="3086724"/>
-          </a:xfrm>
-          <a:prstGeom prst="rect">
-            <a:avLst/>
-          </a:prstGeom>
-        </p:spPr>
-      </p:pic>
     </p:spTree>
   </p:cSld>
   <p:clrMapOvr>
@@ -9005,7 +10047,7 @@
 </p:sld>
 </file>
 
-<file path=ppt/slides/slide5.xml><?xml version="1.0" encoding="utf-8"?>
+<file path=ppt/slides/slide6.xml><?xml version="1.0" encoding="utf-8"?>
 <p:sld xmlns:a="http://schemas.openxmlformats.org/drawingml/2006/main" xmlns:r="http://schemas.openxmlformats.org/officeDocument/2006/relationships" xmlns:p="http://schemas.openxmlformats.org/presentationml/2006/main">
   <p:cSld>
     <p:spTree>
@@ -9049,7 +10091,7 @@
         </p:blipFill>
         <p:spPr>
           <a:xfrm>
-            <a:off x="256032" y="0"/>
+            <a:off x="0" y="0"/>
             <a:ext cx="12192000" cy="6858000"/>
           </a:xfrm>
           <a:prstGeom prst="rect">
@@ -9277,12 +10319,193 @@
           </a:p>
         </p:txBody>
       </p:sp>
-      <p:sp>
-        <p:nvSpPr>
-          <p:cNvPr id="2" name="Google Shape;138;p16">
-            <a:extLst>
-              <a:ext uri="{FF2B5EF4-FFF2-40B4-BE49-F238E27FC236}">
-                <a16:creationId xmlns:a16="http://schemas.microsoft.com/office/drawing/2014/main" id="{EEF78478-3C50-9CEB-D7CA-80FA1B29BCF4}"/>
+      <p:pic>
+        <p:nvPicPr>
+          <p:cNvPr id="10" name="Hình ảnh 9">
+            <a:extLst>
+              <a:ext uri="{FF2B5EF4-FFF2-40B4-BE49-F238E27FC236}">
+                <a16:creationId xmlns:a16="http://schemas.microsoft.com/office/drawing/2014/main" id="{E40DD746-C085-0730-8205-5621BF3FAB79}"/>
+              </a:ext>
+            </a:extLst>
+          </p:cNvPr>
+          <p:cNvPicPr>
+            <a:picLocks noChangeAspect="1"/>
+          </p:cNvPicPr>
+          <p:nvPr/>
+        </p:nvPicPr>
+        <p:blipFill>
+          <a:blip r:embed="rId5"/>
+          <a:srcRect t="52"/>
+          <a:stretch>
+            <a:fillRect/>
+          </a:stretch>
+        </p:blipFill>
+        <p:spPr>
+          <a:xfrm>
+            <a:off x="1128028" y="2417294"/>
+            <a:ext cx="1525895" cy="3087471"/>
+          </a:xfrm>
+          <a:prstGeom prst="rect">
+            <a:avLst/>
+          </a:prstGeom>
+        </p:spPr>
+      </p:pic>
+      <p:pic>
+        <p:nvPicPr>
+          <p:cNvPr id="12" name="Hình ảnh 11">
+            <a:extLst>
+              <a:ext uri="{FF2B5EF4-FFF2-40B4-BE49-F238E27FC236}">
+                <a16:creationId xmlns:a16="http://schemas.microsoft.com/office/drawing/2014/main" id="{AEEFFF46-407B-565F-6EE9-88E99BF45E75}"/>
+              </a:ext>
+            </a:extLst>
+          </p:cNvPr>
+          <p:cNvPicPr>
+            <a:picLocks noChangeAspect="1"/>
+          </p:cNvPicPr>
+          <p:nvPr/>
+        </p:nvPicPr>
+        <p:blipFill>
+          <a:blip r:embed="rId6"/>
+          <a:stretch>
+            <a:fillRect/>
+          </a:stretch>
+        </p:blipFill>
+        <p:spPr>
+          <a:xfrm>
+            <a:off x="2846334" y="2417294"/>
+            <a:ext cx="1460702" cy="3087471"/>
+          </a:xfrm>
+          <a:prstGeom prst="rect">
+            <a:avLst/>
+          </a:prstGeom>
+        </p:spPr>
+      </p:pic>
+      <p:pic>
+        <p:nvPicPr>
+          <p:cNvPr id="14" name="Hình ảnh 13">
+            <a:extLst>
+              <a:ext uri="{FF2B5EF4-FFF2-40B4-BE49-F238E27FC236}">
+                <a16:creationId xmlns:a16="http://schemas.microsoft.com/office/drawing/2014/main" id="{987B9832-84A6-98F8-2DFC-7CD5C4C59CF6}"/>
+              </a:ext>
+            </a:extLst>
+          </p:cNvPr>
+          <p:cNvPicPr>
+            <a:picLocks noChangeAspect="1"/>
+          </p:cNvPicPr>
+          <p:nvPr/>
+        </p:nvPicPr>
+        <p:blipFill>
+          <a:blip r:embed="rId7"/>
+          <a:stretch>
+            <a:fillRect/>
+          </a:stretch>
+        </p:blipFill>
+        <p:spPr>
+          <a:xfrm>
+            <a:off x="6172081" y="2417292"/>
+            <a:ext cx="1481037" cy="3087471"/>
+          </a:xfrm>
+          <a:prstGeom prst="rect">
+            <a:avLst/>
+          </a:prstGeom>
+        </p:spPr>
+      </p:pic>
+      <p:pic>
+        <p:nvPicPr>
+          <p:cNvPr id="5" name="Hình ảnh 4">
+            <a:extLst>
+              <a:ext uri="{FF2B5EF4-FFF2-40B4-BE49-F238E27FC236}">
+                <a16:creationId xmlns:a16="http://schemas.microsoft.com/office/drawing/2014/main" id="{7EB32B79-BB12-A2A9-4623-BBFFE1D8DEC0}"/>
+              </a:ext>
+            </a:extLst>
+          </p:cNvPr>
+          <p:cNvPicPr>
+            <a:picLocks noChangeAspect="1"/>
+          </p:cNvPicPr>
+          <p:nvPr/>
+        </p:nvPicPr>
+        <p:blipFill>
+          <a:blip r:embed="rId8"/>
+          <a:stretch>
+            <a:fillRect/>
+          </a:stretch>
+        </p:blipFill>
+        <p:spPr>
+          <a:xfrm>
+            <a:off x="4499447" y="2417291"/>
+            <a:ext cx="1474259" cy="3087471"/>
+          </a:xfrm>
+          <a:prstGeom prst="rect">
+            <a:avLst/>
+          </a:prstGeom>
+        </p:spPr>
+      </p:pic>
+      <p:pic>
+        <p:nvPicPr>
+          <p:cNvPr id="9" name="Hình ảnh 8">
+            <a:extLst>
+              <a:ext uri="{FF2B5EF4-FFF2-40B4-BE49-F238E27FC236}">
+                <a16:creationId xmlns:a16="http://schemas.microsoft.com/office/drawing/2014/main" id="{48349BDA-4113-E05F-EBD9-BA7DB650F8F0}"/>
+              </a:ext>
+            </a:extLst>
+          </p:cNvPr>
+          <p:cNvPicPr>
+            <a:picLocks noChangeAspect="1"/>
+          </p:cNvPicPr>
+          <p:nvPr/>
+        </p:nvPicPr>
+        <p:blipFill>
+          <a:blip r:embed="rId9"/>
+          <a:stretch>
+            <a:fillRect/>
+          </a:stretch>
+        </p:blipFill>
+        <p:spPr>
+          <a:xfrm>
+            <a:off x="7851493" y="2417291"/>
+            <a:ext cx="1464092" cy="3087471"/>
+          </a:xfrm>
+          <a:prstGeom prst="rect">
+            <a:avLst/>
+          </a:prstGeom>
+        </p:spPr>
+      </p:pic>
+      <p:pic>
+        <p:nvPicPr>
+          <p:cNvPr id="13" name="Hình ảnh 12">
+            <a:extLst>
+              <a:ext uri="{FF2B5EF4-FFF2-40B4-BE49-F238E27FC236}">
+                <a16:creationId xmlns:a16="http://schemas.microsoft.com/office/drawing/2014/main" id="{F8257ACD-8BAF-D4E1-6C56-09DD2A3AF7B1}"/>
+              </a:ext>
+            </a:extLst>
+          </p:cNvPr>
+          <p:cNvPicPr>
+            <a:picLocks noChangeAspect="1"/>
+          </p:cNvPicPr>
+          <p:nvPr/>
+        </p:nvPicPr>
+        <p:blipFill>
+          <a:blip r:embed="rId10"/>
+          <a:stretch>
+            <a:fillRect/>
+          </a:stretch>
+        </p:blipFill>
+        <p:spPr>
+          <a:xfrm>
+            <a:off x="9513960" y="2417291"/>
+            <a:ext cx="1525096" cy="3087471"/>
+          </a:xfrm>
+          <a:prstGeom prst="rect">
+            <a:avLst/>
+          </a:prstGeom>
+        </p:spPr>
+      </p:pic>
+      <p:sp>
+        <p:nvSpPr>
+          <p:cNvPr id="6" name="Google Shape;138;p16">
+            <a:extLst>
+              <a:ext uri="{FF2B5EF4-FFF2-40B4-BE49-F238E27FC236}">
+                <a16:creationId xmlns:a16="http://schemas.microsoft.com/office/drawing/2014/main" id="{D1642CE5-62CA-6758-19A2-42B9E66A80E0}"/>
               </a:ext>
             </a:extLst>
           </p:cNvPr>
@@ -9291,8 +10514,8 @@
         </p:nvSpPr>
         <p:spPr>
           <a:xfrm>
-            <a:off x="3452811" y="5962650"/>
-            <a:ext cx="5286375" cy="369332"/>
+            <a:off x="571499" y="1723682"/>
+            <a:ext cx="842089" cy="369332"/>
           </a:xfrm>
           <a:prstGeom prst="rect">
             <a:avLst/>
@@ -9308,7 +10531,7 @@
           </a:bodyPr>
           <a:lstStyle/>
           <a:p>
-            <a:pPr marL="0" marR="0" lvl="0" indent="0" algn="ctr" rtl="0">
+            <a:pPr marL="0" marR="0" lvl="0" indent="0" rtl="0">
               <a:lnSpc>
                 <a:spcPct val="160000"/>
               </a:lnSpc>
@@ -9321,7 +10544,7 @@
               <a:buNone/>
             </a:pPr>
             <a:r>
-              <a:rPr lang="vi-VN" sz="1500" i="1">
+              <a:rPr lang="vi-VN" sz="1500" b="0" i="1" u="none" strike="noStrike" cap="none">
                 <a:solidFill>
                   <a:srgbClr val="4E342E"/>
                 </a:solidFill>
@@ -9339,187 +10562,65 @@
           </a:p>
         </p:txBody>
       </p:sp>
-      <p:pic>
-        <p:nvPicPr>
-          <p:cNvPr id="10" name="Hình ảnh 9">
-            <a:extLst>
-              <a:ext uri="{FF2B5EF4-FFF2-40B4-BE49-F238E27FC236}">
-                <a16:creationId xmlns:a16="http://schemas.microsoft.com/office/drawing/2014/main" id="{E40DD746-C085-0730-8205-5621BF3FAB79}"/>
-              </a:ext>
-            </a:extLst>
-          </p:cNvPr>
-          <p:cNvPicPr>
-            <a:picLocks noChangeAspect="1"/>
-          </p:cNvPicPr>
-          <p:nvPr/>
-        </p:nvPicPr>
-        <p:blipFill>
-          <a:blip r:embed="rId5"/>
-          <a:srcRect t="52"/>
-          <a:stretch>
-            <a:fillRect/>
-          </a:stretch>
-        </p:blipFill>
-        <p:spPr>
-          <a:xfrm>
-            <a:off x="1128028" y="2417294"/>
-            <a:ext cx="1525895" cy="3087471"/>
-          </a:xfrm>
-          <a:prstGeom prst="rect">
-            <a:avLst/>
-          </a:prstGeom>
-        </p:spPr>
-      </p:pic>
-      <p:pic>
-        <p:nvPicPr>
-          <p:cNvPr id="12" name="Hình ảnh 11">
-            <a:extLst>
-              <a:ext uri="{FF2B5EF4-FFF2-40B4-BE49-F238E27FC236}">
-                <a16:creationId xmlns:a16="http://schemas.microsoft.com/office/drawing/2014/main" id="{AEEFFF46-407B-565F-6EE9-88E99BF45E75}"/>
-              </a:ext>
-            </a:extLst>
-          </p:cNvPr>
-          <p:cNvPicPr>
-            <a:picLocks noChangeAspect="1"/>
-          </p:cNvPicPr>
-          <p:nvPr/>
-        </p:nvPicPr>
-        <p:blipFill>
-          <a:blip r:embed="rId6"/>
-          <a:stretch>
-            <a:fillRect/>
-          </a:stretch>
-        </p:blipFill>
-        <p:spPr>
-          <a:xfrm>
-            <a:off x="2846334" y="2417294"/>
-            <a:ext cx="1460702" cy="3087471"/>
-          </a:xfrm>
-          <a:prstGeom prst="rect">
-            <a:avLst/>
-          </a:prstGeom>
-        </p:spPr>
-      </p:pic>
-      <p:pic>
-        <p:nvPicPr>
-          <p:cNvPr id="14" name="Hình ảnh 13">
-            <a:extLst>
-              <a:ext uri="{FF2B5EF4-FFF2-40B4-BE49-F238E27FC236}">
-                <a16:creationId xmlns:a16="http://schemas.microsoft.com/office/drawing/2014/main" id="{987B9832-84A6-98F8-2DFC-7CD5C4C59CF6}"/>
-              </a:ext>
-            </a:extLst>
-          </p:cNvPr>
-          <p:cNvPicPr>
-            <a:picLocks noChangeAspect="1"/>
-          </p:cNvPicPr>
-          <p:nvPr/>
-        </p:nvPicPr>
-        <p:blipFill>
-          <a:blip r:embed="rId7"/>
-          <a:stretch>
-            <a:fillRect/>
-          </a:stretch>
-        </p:blipFill>
-        <p:spPr>
-          <a:xfrm>
-            <a:off x="6172081" y="2417292"/>
-            <a:ext cx="1481037" cy="3087471"/>
-          </a:xfrm>
-          <a:prstGeom prst="rect">
-            <a:avLst/>
-          </a:prstGeom>
-        </p:spPr>
-      </p:pic>
-      <p:pic>
-        <p:nvPicPr>
-          <p:cNvPr id="5" name="Hình ảnh 4">
-            <a:extLst>
-              <a:ext uri="{FF2B5EF4-FFF2-40B4-BE49-F238E27FC236}">
-                <a16:creationId xmlns:a16="http://schemas.microsoft.com/office/drawing/2014/main" id="{7EB32B79-BB12-A2A9-4623-BBFFE1D8DEC0}"/>
-              </a:ext>
-            </a:extLst>
-          </p:cNvPr>
-          <p:cNvPicPr>
-            <a:picLocks noChangeAspect="1"/>
-          </p:cNvPicPr>
-          <p:nvPr/>
-        </p:nvPicPr>
-        <p:blipFill>
-          <a:blip r:embed="rId8"/>
-          <a:stretch>
-            <a:fillRect/>
-          </a:stretch>
-        </p:blipFill>
-        <p:spPr>
-          <a:xfrm>
-            <a:off x="4499447" y="2417291"/>
-            <a:ext cx="1474259" cy="3087471"/>
-          </a:xfrm>
-          <a:prstGeom prst="rect">
-            <a:avLst/>
-          </a:prstGeom>
-        </p:spPr>
-      </p:pic>
-      <p:pic>
-        <p:nvPicPr>
-          <p:cNvPr id="9" name="Hình ảnh 8">
-            <a:extLst>
-              <a:ext uri="{FF2B5EF4-FFF2-40B4-BE49-F238E27FC236}">
-                <a16:creationId xmlns:a16="http://schemas.microsoft.com/office/drawing/2014/main" id="{48349BDA-4113-E05F-EBD9-BA7DB650F8F0}"/>
-              </a:ext>
-            </a:extLst>
-          </p:cNvPr>
-          <p:cNvPicPr>
-            <a:picLocks noChangeAspect="1"/>
-          </p:cNvPicPr>
-          <p:nvPr/>
-        </p:nvPicPr>
-        <p:blipFill>
-          <a:blip r:embed="rId9"/>
-          <a:stretch>
-            <a:fillRect/>
-          </a:stretch>
-        </p:blipFill>
-        <p:spPr>
-          <a:xfrm>
-            <a:off x="7851493" y="2417291"/>
-            <a:ext cx="1464092" cy="3087471"/>
-          </a:xfrm>
-          <a:prstGeom prst="rect">
-            <a:avLst/>
-          </a:prstGeom>
-        </p:spPr>
-      </p:pic>
-      <p:pic>
-        <p:nvPicPr>
-          <p:cNvPr id="13" name="Hình ảnh 12">
-            <a:extLst>
-              <a:ext uri="{FF2B5EF4-FFF2-40B4-BE49-F238E27FC236}">
-                <a16:creationId xmlns:a16="http://schemas.microsoft.com/office/drawing/2014/main" id="{F8257ACD-8BAF-D4E1-6C56-09DD2A3AF7B1}"/>
-              </a:ext>
-            </a:extLst>
-          </p:cNvPr>
-          <p:cNvPicPr>
-            <a:picLocks noChangeAspect="1"/>
-          </p:cNvPicPr>
-          <p:nvPr/>
-        </p:nvPicPr>
-        <p:blipFill>
-          <a:blip r:embed="rId10"/>
-          <a:stretch>
-            <a:fillRect/>
-          </a:stretch>
-        </p:blipFill>
-        <p:spPr>
-          <a:xfrm>
-            <a:off x="9513960" y="2417291"/>
-            <a:ext cx="1525096" cy="3087471"/>
-          </a:xfrm>
-          <a:prstGeom prst="rect">
-            <a:avLst/>
-          </a:prstGeom>
-        </p:spPr>
-      </p:pic>
+      <p:sp>
+        <p:nvSpPr>
+          <p:cNvPr id="7" name="Google Shape;138;p16">
+            <a:extLst>
+              <a:ext uri="{FF2B5EF4-FFF2-40B4-BE49-F238E27FC236}">
+                <a16:creationId xmlns:a16="http://schemas.microsoft.com/office/drawing/2014/main" id="{1579C48D-A2BA-73C4-884C-DB56937E5A0F}"/>
+              </a:ext>
+            </a:extLst>
+          </p:cNvPr>
+          <p:cNvSpPr txBox="1"/>
+          <p:nvPr/>
+        </p:nvSpPr>
+        <p:spPr>
+          <a:xfrm>
+            <a:off x="571500" y="6004141"/>
+            <a:ext cx="11123675" cy="393954"/>
+          </a:xfrm>
+          <a:prstGeom prst="rect">
+            <a:avLst/>
+          </a:prstGeom>
+          <a:noFill/>
+          <a:ln>
+            <a:noFill/>
+          </a:ln>
+        </p:spPr>
+        <p:txBody>
+          <a:bodyPr spcFirstLastPara="1" wrap="square" lIns="0" tIns="0" rIns="0" bIns="0" anchor="t" anchorCtr="0">
+            <a:spAutoFit/>
+          </a:bodyPr>
+          <a:lstStyle/>
+          <a:p>
+            <a:pPr lvl="0">
+              <a:lnSpc>
+                <a:spcPct val="160000"/>
+              </a:lnSpc>
+            </a:pPr>
+            <a:r>
+              <a:rPr lang="vi-VN" sz="1600"/>
+              <a:t>Hiện thực hóa </a:t>
+            </a:r>
+            <a:r>
+              <a:rPr lang="vi-VN" sz="1600" b="1"/>
+              <a:t>chính xác đến hơn 95%</a:t>
+            </a:r>
+            <a:r>
+              <a:rPr lang="vi-VN" sz="1600"/>
+              <a:t> so với bản thiết kế. Ứng dụng có giao diện đẹp và đầy đủ tính năng</a:t>
+            </a:r>
+            <a:r>
+              <a:rPr lang="vi-VN" sz="1600">
+                <a:latin typeface="Arial" panose="020B0604020202020204" pitchFamily="34" charset="0"/>
+                <a:cs typeface="Arial" panose="020B0604020202020204" pitchFamily="34" charset="0"/>
+              </a:rPr>
+              <a:t> hơn.</a:t>
+            </a:r>
+            <a:endParaRPr lang="vi-VN" sz="1600"/>
+          </a:p>
+        </p:txBody>
+      </p:sp>
     </p:spTree>
     <p:extLst>
       <p:ext uri="{BB962C8B-B14F-4D97-AF65-F5344CB8AC3E}">
@@ -9533,7 +10634,7 @@
 </p:sld>
 </file>
 
-<file path=ppt/slides/slide6.xml><?xml version="1.0" encoding="utf-8"?>
+<file path=ppt/slides/slide7.xml><?xml version="1.0" encoding="utf-8"?>
 <p:sld xmlns:a="http://schemas.openxmlformats.org/drawingml/2006/main" xmlns:r="http://schemas.openxmlformats.org/officeDocument/2006/relationships" xmlns:p="http://schemas.openxmlformats.org/presentationml/2006/main">
   <p:cSld>
     <p:spTree>
@@ -9722,7 +10823,7 @@
         <p:spPr>
           <a:xfrm>
             <a:off x="6810375" y="4653706"/>
-            <a:ext cx="4810125" cy="1329595"/>
+            <a:ext cx="4810125" cy="886397"/>
           </a:xfrm>
           <a:prstGeom prst="rect">
             <a:avLst/>
@@ -9772,7 +10873,7 @@
                 <a:cs typeface="Arial" panose="020B0604020202020204" pitchFamily="34" charset="0"/>
                 <a:sym typeface="Lato"/>
               </a:rPr>
-              <a:t> Áp dụng các kiến thức Lập trình Mobile nâng cao (MVVM, Coroutines, Maps) vào thực tế.</a:t>
+              <a:t> Áp dụng các kiến thức Lập trình Mobile vào thực tế.</a:t>
             </a:r>
             <a:endParaRPr>
               <a:latin typeface="Arial" panose="020B0604020202020204" pitchFamily="34" charset="0"/>
@@ -10004,7 +11105,7 @@
 </p:sld>
 </file>
 
-<file path=ppt/slides/slide7.xml><?xml version="1.0" encoding="utf-8"?>
+<file path=ppt/slides/slide8.xml><?xml version="1.0" encoding="utf-8"?>
 <p:sld xmlns:a="http://schemas.openxmlformats.org/drawingml/2006/main" xmlns:r="http://schemas.openxmlformats.org/officeDocument/2006/relationships" xmlns:p="http://schemas.openxmlformats.org/presentationml/2006/main">
   <p:cSld>
     <p:spTree>
@@ -10730,7 +11831,7 @@
 </p:sld>
 </file>
 
-<file path=ppt/slides/slide8.xml><?xml version="1.0" encoding="utf-8"?>
+<file path=ppt/slides/slide9.xml><?xml version="1.0" encoding="utf-8"?>
 <p:sld xmlns:a="http://schemas.openxmlformats.org/drawingml/2006/main" xmlns:r="http://schemas.openxmlformats.org/officeDocument/2006/relationships" xmlns:p="http://schemas.openxmlformats.org/presentationml/2006/main">
   <p:cSld>
     <p:spTree>
@@ -10778,14 +11879,14 @@
       </p:pic>
       <p:sp>
         <p:nvSpPr>
-          <p:cNvPr id="186" name="Google Shape;186;p19"/>
+          <p:cNvPr id="188" name="Google Shape;188;p19"/>
           <p:cNvSpPr txBox="1"/>
           <p:nvPr/>
         </p:nvSpPr>
         <p:spPr>
           <a:xfrm>
-            <a:off x="969264" y="5106730"/>
-            <a:ext cx="4956048" cy="886397"/>
+            <a:off x="1580291" y="5892546"/>
+            <a:ext cx="9031416" cy="393954"/>
           </a:xfrm>
           <a:prstGeom prst="rect">
             <a:avLst/>
@@ -10801,194 +11902,19 @@
           </a:bodyPr>
           <a:lstStyle/>
           <a:p>
-            <a:pPr marL="0" marR="0" lvl="0" indent="0" algn="l" rtl="0">
+            <a:pPr lvl="0">
               <a:lnSpc>
                 <a:spcPct val="159944"/>
               </a:lnSpc>
-              <a:spcBef>
-                <a:spcPts val="0"/>
-              </a:spcBef>
-              <a:spcAft>
-                <a:spcPts val="0"/>
-              </a:spcAft>
-              <a:buNone/>
             </a:pPr>
             <a:r>
-              <a:rPr lang="en-US" sz="1800" b="1" i="0" u="none" strike="noStrike" cap="none">
-                <a:solidFill>
-                  <a:srgbClr val="4E342E"/>
-                </a:solidFill>
-                <a:latin typeface="Arial" panose="020B0604020202020204" pitchFamily="34" charset="0"/>
-                <a:ea typeface="Lato"/>
-                <a:cs typeface="Arial" panose="020B0604020202020204" pitchFamily="34" charset="0"/>
-                <a:sym typeface="Lato"/>
-              </a:rPr>
-              <a:t>Architecture:</a:t>
-            </a:r>
-            <a:r>
-              <a:rPr lang="en-US" sz="1800" b="0" i="0" u="none" strike="noStrike" cap="none">
-                <a:solidFill>
-                  <a:srgbClr val="4E342E"/>
-                </a:solidFill>
-                <a:latin typeface="Arial" panose="020B0604020202020204" pitchFamily="34" charset="0"/>
-                <a:ea typeface="Lato"/>
-                <a:cs typeface="Arial" panose="020B0604020202020204" pitchFamily="34" charset="0"/>
-                <a:sym typeface="Lato"/>
-              </a:rPr>
-              <a:t> MVVM (Model-View-ViewModel) giúp tách biệt logic và giao diện.</a:t>
-            </a:r>
-            <a:endParaRPr>
-              <a:latin typeface="Arial" panose="020B0604020202020204" pitchFamily="34" charset="0"/>
-              <a:cs typeface="Arial" panose="020B0604020202020204" pitchFamily="34" charset="0"/>
-            </a:endParaRPr>
-          </a:p>
-        </p:txBody>
-      </p:sp>
-      <p:sp>
-        <p:nvSpPr>
-          <p:cNvPr id="187" name="Google Shape;187;p19"/>
-          <p:cNvSpPr txBox="1"/>
-          <p:nvPr/>
-        </p:nvSpPr>
-        <p:spPr>
-          <a:xfrm>
-            <a:off x="6462903" y="5090825"/>
-            <a:ext cx="4524375" cy="886397"/>
-          </a:xfrm>
-          <a:prstGeom prst="rect">
-            <a:avLst/>
-          </a:prstGeom>
-          <a:noFill/>
-          <a:ln>
-            <a:noFill/>
-          </a:ln>
-        </p:spPr>
-        <p:txBody>
-          <a:bodyPr spcFirstLastPara="1" wrap="square" lIns="0" tIns="0" rIns="0" bIns="0" anchor="t" anchorCtr="0">
-            <a:spAutoFit/>
-          </a:bodyPr>
-          <a:lstStyle/>
-          <a:p>
-            <a:pPr marL="0" marR="0" lvl="0" indent="0" algn="l" rtl="0">
-              <a:lnSpc>
-                <a:spcPct val="159944"/>
-              </a:lnSpc>
-              <a:spcBef>
-                <a:spcPts val="0"/>
-              </a:spcBef>
-              <a:spcAft>
-                <a:spcPts val="0"/>
-              </a:spcAft>
-              <a:buNone/>
-            </a:pPr>
-            <a:r>
-              <a:rPr lang="en-US" sz="1800" b="0" i="0" u="none" strike="noStrike" cap="none">
-                <a:solidFill>
-                  <a:srgbClr val="4E342E"/>
-                </a:solidFill>
-                <a:latin typeface="Arial" panose="020B0604020202020204" pitchFamily="34" charset="0"/>
-                <a:ea typeface="Lato"/>
-                <a:cs typeface="Arial" panose="020B0604020202020204" pitchFamily="34" charset="0"/>
-                <a:sym typeface="Lato"/>
-              </a:rPr>
-              <a:t> </a:t>
-            </a:r>
-            <a:r>
-              <a:rPr lang="en-US" sz="1800" b="1" i="0" u="none" strike="noStrike" cap="none">
-                <a:solidFill>
-                  <a:srgbClr val="4E342E"/>
-                </a:solidFill>
-                <a:latin typeface="Arial" panose="020B0604020202020204" pitchFamily="34" charset="0"/>
-                <a:ea typeface="Lato"/>
-                <a:cs typeface="Arial" panose="020B0604020202020204" pitchFamily="34" charset="0"/>
-                <a:sym typeface="Lato"/>
-              </a:rPr>
-              <a:t>UI Toolkit:</a:t>
-            </a:r>
-            <a:r>
-              <a:rPr lang="en-US" sz="1800" b="0" i="0" u="none" strike="noStrike" cap="none">
-                <a:solidFill>
-                  <a:srgbClr val="4E342E"/>
-                </a:solidFill>
-                <a:latin typeface="Arial" panose="020B0604020202020204" pitchFamily="34" charset="0"/>
-                <a:ea typeface="Lato"/>
-                <a:cs typeface="Arial" panose="020B0604020202020204" pitchFamily="34" charset="0"/>
-                <a:sym typeface="Lato"/>
-              </a:rPr>
-              <a:t> Jetpack Compose - hiện đại, khai báo (declarative).</a:t>
-            </a:r>
-            <a:endParaRPr>
-              <a:latin typeface="Arial" panose="020B0604020202020204" pitchFamily="34" charset="0"/>
-              <a:cs typeface="Arial" panose="020B0604020202020204" pitchFamily="34" charset="0"/>
-            </a:endParaRPr>
-          </a:p>
-        </p:txBody>
-      </p:sp>
-      <p:sp>
-        <p:nvSpPr>
-          <p:cNvPr id="188" name="Google Shape;188;p19"/>
-          <p:cNvSpPr txBox="1"/>
-          <p:nvPr/>
-        </p:nvSpPr>
-        <p:spPr>
-          <a:xfrm>
-            <a:off x="4110037" y="6188059"/>
-            <a:ext cx="4524375" cy="443198"/>
-          </a:xfrm>
-          <a:prstGeom prst="rect">
-            <a:avLst/>
-          </a:prstGeom>
-          <a:noFill/>
-          <a:ln>
-            <a:noFill/>
-          </a:ln>
-        </p:spPr>
-        <p:txBody>
-          <a:bodyPr spcFirstLastPara="1" wrap="square" lIns="0" tIns="0" rIns="0" bIns="0" anchor="t" anchorCtr="0">
-            <a:spAutoFit/>
-          </a:bodyPr>
-          <a:lstStyle/>
-          <a:p>
-            <a:pPr marL="0" marR="0" lvl="0" indent="0" algn="l" rtl="0">
-              <a:lnSpc>
-                <a:spcPct val="159944"/>
-              </a:lnSpc>
-              <a:spcBef>
-                <a:spcPts val="0"/>
-              </a:spcBef>
-              <a:spcAft>
-                <a:spcPts val="0"/>
-              </a:spcAft>
-              <a:buNone/>
-            </a:pPr>
-            <a:r>
-              <a:rPr lang="en-US" sz="1800" b="1" i="0" u="none" strike="noStrike" cap="none">
-                <a:solidFill>
-                  <a:srgbClr val="4E342E"/>
-                </a:solidFill>
-                <a:latin typeface="Arial" panose="020B0604020202020204" pitchFamily="34" charset="0"/>
-                <a:ea typeface="Lato"/>
-                <a:cs typeface="Arial" panose="020B0604020202020204" pitchFamily="34" charset="0"/>
-                <a:sym typeface="Lato"/>
-              </a:rPr>
-              <a:t>Payment:</a:t>
-            </a:r>
-            <a:r>
-              <a:rPr lang="en-US" sz="1800" b="0" i="0" u="none" strike="noStrike" cap="none">
-                <a:solidFill>
-                  <a:srgbClr val="4E342E"/>
-                </a:solidFill>
-                <a:latin typeface="Arial" panose="020B0604020202020204" pitchFamily="34" charset="0"/>
-                <a:ea typeface="Lato"/>
-                <a:cs typeface="Arial" panose="020B0604020202020204" pitchFamily="34" charset="0"/>
-                <a:sym typeface="Lato"/>
-              </a:rPr>
-              <a:t> ZaloPay Sandbox</a:t>
-            </a:r>
-            <a:endParaRPr>
-              <a:latin typeface="Arial" panose="020B0604020202020204" pitchFamily="34" charset="0"/>
-              <a:cs typeface="Arial" panose="020B0604020202020204" pitchFamily="34" charset="0"/>
-            </a:endParaRPr>
+              <a:rPr lang="vi-VN" sz="1600"/>
+              <a:t>Xử lý thành công luồng dữ liệu bảo mật giữa 3 bên: </a:t>
+            </a:r>
+            <a:r>
+              <a:rPr lang="vi-VN" sz="1600" b="1"/>
+              <a:t>App - Server ZaloPay - và Firebase.</a:t>
+            </a:r>
           </a:p>
         </p:txBody>
       </p:sp>
@@ -11147,527 +12073,50 @@
           </a:prstGeom>
         </p:spPr>
       </p:pic>
-    </p:spTree>
-  </p:cSld>
-  <p:clrMapOvr>
-    <a:masterClrMapping/>
-  </p:clrMapOvr>
-</p:sld>
-</file>
-
-<file path=ppt/slides/slide9.xml><?xml version="1.0" encoding="utf-8"?>
-<p:sld xmlns:a="http://schemas.openxmlformats.org/drawingml/2006/main" xmlns:r="http://schemas.openxmlformats.org/officeDocument/2006/relationships" xmlns:p="http://schemas.openxmlformats.org/presentationml/2006/main">
-  <p:cSld>
-    <p:spTree>
-      <p:nvGrpSpPr>
-        <p:cNvPr id="1" name="Shape 198"/>
-        <p:cNvGrpSpPr/>
-        <p:nvPr/>
-      </p:nvGrpSpPr>
-      <p:grpSpPr>
-        <a:xfrm>
-          <a:off x="0" y="0"/>
-          <a:ext cx="0" cy="0"/>
-          <a:chOff x="0" y="0"/>
-          <a:chExt cx="0" cy="0"/>
-        </a:xfrm>
-      </p:grpSpPr>
-      <p:pic>
-        <p:nvPicPr>
-          <p:cNvPr id="199" name="Google Shape;199;p20" descr="image.png"/>
-          <p:cNvPicPr preferRelativeResize="0"/>
-          <p:nvPr/>
-        </p:nvPicPr>
-        <p:blipFill rotWithShape="1">
-          <a:blip r:embed="rId3">
-            <a:alphaModFix/>
-          </a:blip>
-          <a:srcRect/>
-          <a:stretch/>
-        </p:blipFill>
-        <p:spPr>
-          <a:xfrm>
-            <a:off x="0" y="277106"/>
-            <a:ext cx="12192000" cy="6858000"/>
+      <p:sp>
+        <p:nvSpPr>
+          <p:cNvPr id="3" name="Hộp Văn bản 2">
+            <a:extLst>
+              <a:ext uri="{FF2B5EF4-FFF2-40B4-BE49-F238E27FC236}">
+                <a16:creationId xmlns:a16="http://schemas.microsoft.com/office/drawing/2014/main" id="{19C575D0-6770-1071-6ED1-851F51396FD1}"/>
+              </a:ext>
+            </a:extLst>
+          </p:cNvPr>
+          <p:cNvSpPr txBox="1"/>
+          <p:nvPr/>
+        </p:nvSpPr>
+        <p:spPr>
+          <a:xfrm>
+            <a:off x="3657601" y="4995360"/>
+            <a:ext cx="6135328" cy="369332"/>
           </a:xfrm>
           <a:prstGeom prst="rect">
             <a:avLst/>
           </a:prstGeom>
           <a:noFill/>
-          <a:ln>
-            <a:noFill/>
-          </a:ln>
-        </p:spPr>
-      </p:pic>
-      <p:pic>
-        <p:nvPicPr>
-          <p:cNvPr id="200" name="Google Shape;200;p20" descr="image.png"/>
-          <p:cNvPicPr preferRelativeResize="0"/>
-          <p:nvPr/>
-        </p:nvPicPr>
-        <p:blipFill rotWithShape="1">
-          <a:blip r:embed="rId4">
-            <a:alphaModFix/>
-          </a:blip>
-          <a:srcRect/>
-          <a:stretch/>
-        </p:blipFill>
-        <p:spPr>
-          <a:xfrm>
-            <a:off x="571500" y="1895474"/>
-            <a:ext cx="5381625" cy="3847195"/>
-          </a:xfrm>
-          <a:prstGeom prst="rect">
-            <a:avLst/>
-          </a:prstGeom>
-          <a:noFill/>
-          <a:ln>
-            <a:noFill/>
-          </a:ln>
-        </p:spPr>
-      </p:pic>
-      <p:pic>
-        <p:nvPicPr>
-          <p:cNvPr id="201" name="Google Shape;201;p20" descr="image.png"/>
-          <p:cNvPicPr preferRelativeResize="0"/>
-          <p:nvPr/>
-        </p:nvPicPr>
-        <p:blipFill rotWithShape="1">
-          <a:blip r:embed="rId5">
-            <a:alphaModFix/>
-          </a:blip>
-          <a:srcRect/>
-          <a:stretch/>
-        </p:blipFill>
-        <p:spPr>
-          <a:xfrm>
-            <a:off x="6238875" y="1895475"/>
-            <a:ext cx="5381625" cy="3847194"/>
-          </a:xfrm>
-          <a:prstGeom prst="rect">
-            <a:avLst/>
-          </a:prstGeom>
-          <a:noFill/>
-          <a:ln>
-            <a:noFill/>
-          </a:ln>
-        </p:spPr>
-      </p:pic>
-      <p:sp>
-        <p:nvSpPr>
-          <p:cNvPr id="202" name="Google Shape;202;p20"/>
-          <p:cNvSpPr txBox="1"/>
-          <p:nvPr/>
-        </p:nvSpPr>
-        <p:spPr>
-          <a:xfrm>
-            <a:off x="571500" y="6186940"/>
-            <a:ext cx="11049000" cy="393954"/>
-          </a:xfrm>
-          <a:prstGeom prst="rect">
-            <a:avLst/>
-          </a:prstGeom>
-          <a:noFill/>
-          <a:ln>
-            <a:noFill/>
-          </a:ln>
-        </p:spPr>
-        <p:txBody>
-          <a:bodyPr spcFirstLastPara="1" wrap="square" lIns="190500" tIns="0" rIns="0" bIns="0" anchor="t" anchorCtr="0">
+        </p:spPr>
+        <p:txBody>
+          <a:bodyPr wrap="square">
             <a:spAutoFit/>
           </a:bodyPr>
           <a:lstStyle/>
           <a:p>
-            <a:pPr lvl="0" algn="ctr">
-              <a:lnSpc>
-                <a:spcPct val="160000"/>
-              </a:lnSpc>
-            </a:pPr>
-            <a:r>
-              <a:rPr lang="vi-VN" sz="1600" b="0" i="1" u="none" strike="noStrike" cap="none">
-                <a:solidFill>
-                  <a:srgbClr val="475569"/>
-                </a:solidFill>
-                <a:latin typeface="Arial" panose="020B0604020202020204" pitchFamily="34" charset="0"/>
-                <a:ea typeface="Inter"/>
-                <a:cs typeface="Arial" panose="020B0604020202020204" pitchFamily="34" charset="0"/>
-                <a:sym typeface="Inter"/>
-              </a:rPr>
-              <a:t>Ứng dụng hoạt động mượt mà, ổn định trên các thiết bị Android 10+.</a:t>
-            </a:r>
-            <a:endParaRPr lang="vi-VN" sz="1600">
-              <a:latin typeface="Arial" panose="020B0604020202020204" pitchFamily="34" charset="0"/>
-              <a:cs typeface="Arial" panose="020B0604020202020204" pitchFamily="34" charset="0"/>
-            </a:endParaRPr>
-          </a:p>
-        </p:txBody>
-      </p:sp>
-      <p:pic>
-        <p:nvPicPr>
-          <p:cNvPr id="203" name="Google Shape;203;p20" descr="image.png"/>
-          <p:cNvPicPr preferRelativeResize="0"/>
-          <p:nvPr/>
-        </p:nvPicPr>
-        <p:blipFill rotWithShape="1">
-          <a:blip r:embed="rId6">
-            <a:alphaModFix/>
-          </a:blip>
-          <a:srcRect/>
-          <a:stretch/>
-        </p:blipFill>
-        <p:spPr>
-          <a:xfrm>
-            <a:off x="2852737" y="6312908"/>
-            <a:ext cx="190500" cy="190500"/>
-          </a:xfrm>
-          <a:prstGeom prst="rect">
-            <a:avLst/>
-          </a:prstGeom>
-          <a:noFill/>
-          <a:ln>
-            <a:noFill/>
-          </a:ln>
-        </p:spPr>
-      </p:pic>
-      <p:sp>
-        <p:nvSpPr>
-          <p:cNvPr id="204" name="Google Shape;204;p20"/>
-          <p:cNvSpPr txBox="1"/>
-          <p:nvPr/>
-        </p:nvSpPr>
-        <p:spPr>
-          <a:xfrm>
-            <a:off x="571500" y="5742670"/>
-            <a:ext cx="5381625" cy="369332"/>
-          </a:xfrm>
-          <a:prstGeom prst="rect">
-            <a:avLst/>
-          </a:prstGeom>
-          <a:noFill/>
-          <a:ln>
-            <a:noFill/>
-          </a:ln>
-        </p:spPr>
-        <p:txBody>
-          <a:bodyPr spcFirstLastPara="1" wrap="square" lIns="0" tIns="0" rIns="0" bIns="0" anchor="t" anchorCtr="0">
-            <a:spAutoFit/>
-          </a:bodyPr>
-          <a:lstStyle/>
-          <a:p>
-            <a:pPr marL="0" marR="0" lvl="0" indent="0" algn="ctr" rtl="0">
-              <a:lnSpc>
-                <a:spcPct val="160000"/>
-              </a:lnSpc>
-              <a:spcBef>
-                <a:spcPts val="0"/>
-              </a:spcBef>
-              <a:spcAft>
-                <a:spcPts val="0"/>
-              </a:spcAft>
-              <a:buNone/>
-            </a:pPr>
-            <a:r>
-              <a:rPr lang="en-US" sz="1500" b="1" i="0" u="none" strike="noStrike" cap="none">
-                <a:solidFill>
-                  <a:srgbClr val="5D4037"/>
-                </a:solidFill>
-                <a:latin typeface="Arial" panose="020B0604020202020204" pitchFamily="34" charset="0"/>
-                <a:ea typeface="Lato"/>
-                <a:cs typeface="Arial" panose="020B0604020202020204" pitchFamily="34" charset="0"/>
-                <a:sym typeface="Lato"/>
-              </a:rPr>
-              <a:t>Thanh toán thành công qua ZaloPay</a:t>
-            </a:r>
-            <a:endParaRPr>
-              <a:latin typeface="Arial" panose="020B0604020202020204" pitchFamily="34" charset="0"/>
-              <a:cs typeface="Arial" panose="020B0604020202020204" pitchFamily="34" charset="0"/>
-            </a:endParaRPr>
-          </a:p>
-        </p:txBody>
-      </p:sp>
-      <p:sp>
-        <p:nvSpPr>
-          <p:cNvPr id="205" name="Google Shape;205;p20"/>
-          <p:cNvSpPr txBox="1"/>
-          <p:nvPr/>
-        </p:nvSpPr>
-        <p:spPr>
-          <a:xfrm>
-            <a:off x="6238875" y="5742669"/>
-            <a:ext cx="5381625" cy="369332"/>
-          </a:xfrm>
-          <a:prstGeom prst="rect">
-            <a:avLst/>
-          </a:prstGeom>
-          <a:noFill/>
-          <a:ln>
-            <a:noFill/>
-          </a:ln>
-        </p:spPr>
-        <p:txBody>
-          <a:bodyPr spcFirstLastPara="1" wrap="square" lIns="0" tIns="0" rIns="0" bIns="0" anchor="t" anchorCtr="0">
-            <a:spAutoFit/>
-          </a:bodyPr>
-          <a:lstStyle/>
-          <a:p>
-            <a:pPr marL="0" marR="0" lvl="0" indent="0" algn="ctr" rtl="0">
-              <a:lnSpc>
-                <a:spcPct val="160000"/>
-              </a:lnSpc>
-              <a:spcBef>
-                <a:spcPts val="0"/>
-              </a:spcBef>
-              <a:spcAft>
-                <a:spcPts val="0"/>
-              </a:spcAft>
-              <a:buNone/>
-            </a:pPr>
-            <a:r>
-              <a:rPr lang="en-US" sz="1500" b="1" i="0" u="none" strike="noStrike" cap="none">
-                <a:solidFill>
-                  <a:srgbClr val="5D4037"/>
-                </a:solidFill>
-                <a:latin typeface="Arial" panose="020B0604020202020204" pitchFamily="34" charset="0"/>
-                <a:ea typeface="Lato"/>
-                <a:cs typeface="Arial" panose="020B0604020202020204" pitchFamily="34" charset="0"/>
-                <a:sym typeface="Lato"/>
-              </a:rPr>
-              <a:t>Tích hợp bản đồ </a:t>
-            </a:r>
-            <a:r>
-              <a:rPr lang="vi-VN" sz="1500" b="1" i="0" u="none" strike="noStrike" cap="none">
-                <a:solidFill>
-                  <a:srgbClr val="5D4037"/>
-                </a:solidFill>
-                <a:latin typeface="Arial" panose="020B0604020202020204" pitchFamily="34" charset="0"/>
-                <a:ea typeface="Lato"/>
-                <a:cs typeface="Arial" panose="020B0604020202020204" pitchFamily="34" charset="0"/>
-                <a:sym typeface="Lato"/>
-              </a:rPr>
-              <a:t>và </a:t>
-            </a:r>
-            <a:r>
-              <a:rPr lang="en-US" sz="1500" b="1">
-                <a:solidFill>
-                  <a:srgbClr val="5D4037"/>
-                </a:solidFill>
-                <a:latin typeface="Arial" panose="020B0604020202020204" pitchFamily="34" charset="0"/>
-                <a:ea typeface="Lato"/>
-                <a:cs typeface="Arial" panose="020B0604020202020204" pitchFamily="34" charset="0"/>
-                <a:sym typeface="Lato"/>
-              </a:rPr>
-              <a:t>c</a:t>
-            </a:r>
-            <a:r>
-              <a:rPr lang="en-US" sz="1500" b="1" i="0" u="none" strike="noStrike" cap="none">
-                <a:solidFill>
-                  <a:srgbClr val="5D4037"/>
-                </a:solidFill>
-                <a:latin typeface="Arial" panose="020B0604020202020204" pitchFamily="34" charset="0"/>
-                <a:ea typeface="Lato"/>
-                <a:cs typeface="Arial" panose="020B0604020202020204" pitchFamily="34" charset="0"/>
-                <a:sym typeface="Lato"/>
-              </a:rPr>
-              <a:t>họn địa chỉ</a:t>
-            </a:r>
-            <a:endParaRPr>
-              <a:latin typeface="Arial" panose="020B0604020202020204" pitchFamily="34" charset="0"/>
-              <a:cs typeface="Arial" panose="020B0604020202020204" pitchFamily="34" charset="0"/>
-            </a:endParaRPr>
-          </a:p>
-        </p:txBody>
-      </p:sp>
-      <p:sp>
-        <p:nvSpPr>
-          <p:cNvPr id="208" name="Google Shape;208;p20"/>
-          <p:cNvSpPr txBox="1"/>
-          <p:nvPr/>
-        </p:nvSpPr>
-        <p:spPr>
-          <a:xfrm>
-            <a:off x="571500" y="571500"/>
-            <a:ext cx="11601450" cy="553998"/>
-          </a:xfrm>
-          <a:prstGeom prst="rect">
-            <a:avLst/>
-          </a:prstGeom>
-          <a:noFill/>
-          <a:ln>
-            <a:noFill/>
-          </a:ln>
-        </p:spPr>
-        <p:txBody>
-          <a:bodyPr spcFirstLastPara="1" wrap="square" lIns="0" tIns="0" rIns="0" bIns="0" anchor="t" anchorCtr="0">
-            <a:spAutoFit/>
-          </a:bodyPr>
-          <a:lstStyle/>
-          <a:p>
-            <a:pPr marL="0" marR="0" lvl="0" indent="0" algn="l" rtl="0">
-              <a:spcBef>
-                <a:spcPts val="0"/>
-              </a:spcBef>
-              <a:spcAft>
-                <a:spcPts val="0"/>
-              </a:spcAft>
-              <a:buNone/>
-            </a:pPr>
-            <a:r>
-              <a:rPr lang="en-US" sz="3600" b="1" i="0" u="none" strike="noStrike" cap="none">
-                <a:solidFill>
-                  <a:srgbClr val="3E2723"/>
-                </a:solidFill>
-                <a:latin typeface="Arial" panose="020B0604020202020204" pitchFamily="34" charset="0"/>
-                <a:ea typeface="Playfair Display"/>
-                <a:cs typeface="Arial" panose="020B0604020202020204" pitchFamily="34" charset="0"/>
-                <a:sym typeface="Playfair Display"/>
-              </a:rPr>
-              <a:t>Kết Quả Đạt Được</a:t>
-            </a:r>
-            <a:endParaRPr>
-              <a:latin typeface="Arial" panose="020B0604020202020204" pitchFamily="34" charset="0"/>
-              <a:cs typeface="Arial" panose="020B0604020202020204" pitchFamily="34" charset="0"/>
-            </a:endParaRPr>
-          </a:p>
-        </p:txBody>
-      </p:sp>
-      <p:sp>
-        <p:nvSpPr>
-          <p:cNvPr id="209" name="Google Shape;209;p20"/>
-          <p:cNvSpPr/>
-          <p:nvPr/>
-        </p:nvSpPr>
-        <p:spPr>
-          <a:xfrm>
-            <a:off x="571500" y="1323975"/>
-            <a:ext cx="11049000" cy="28575"/>
-          </a:xfrm>
-          <a:prstGeom prst="rect">
-            <a:avLst/>
-          </a:prstGeom>
-          <a:solidFill>
-            <a:srgbClr val="8D6E63"/>
-          </a:solidFill>
-          <a:ln>
-            <a:noFill/>
-          </a:ln>
-        </p:spPr>
-        <p:txBody>
-          <a:bodyPr spcFirstLastPara="1" wrap="square" lIns="91425" tIns="45700" rIns="91425" bIns="45700" anchor="ctr" anchorCtr="0">
-            <a:noAutofit/>
-          </a:bodyPr>
-          <a:lstStyle/>
-          <a:p>
-            <a:pPr marL="0" marR="0" lvl="0" indent="0" algn="ctr" rtl="0">
-              <a:spcBef>
-                <a:spcPts val="0"/>
-              </a:spcBef>
-              <a:spcAft>
-                <a:spcPts val="0"/>
-              </a:spcAft>
-              <a:buNone/>
-            </a:pPr>
-            <a:endParaRPr sz="1800" b="0" i="0" u="none" strike="noStrike" cap="none">
-              <a:solidFill>
-                <a:schemeClr val="dk1"/>
-              </a:solidFill>
-              <a:latin typeface="Arial" panose="020B0604020202020204" pitchFamily="34" charset="0"/>
-              <a:ea typeface="Calibri"/>
-              <a:cs typeface="Arial" panose="020B0604020202020204" pitchFamily="34" charset="0"/>
-              <a:sym typeface="Calibri"/>
-            </a:endParaRPr>
-          </a:p>
-        </p:txBody>
-      </p:sp>
-      <p:pic>
-        <p:nvPicPr>
-          <p:cNvPr id="3" name="Hình ảnh 2">
-            <a:extLst>
-              <a:ext uri="{FF2B5EF4-FFF2-40B4-BE49-F238E27FC236}">
-                <a16:creationId xmlns:a16="http://schemas.microsoft.com/office/drawing/2014/main" id="{3B6FEBAF-03F2-976B-E39E-675FDBFC4303}"/>
-              </a:ext>
-            </a:extLst>
-          </p:cNvPr>
-          <p:cNvPicPr>
-            <a:picLocks noChangeAspect="1"/>
-          </p:cNvPicPr>
-          <p:nvPr/>
-        </p:nvPicPr>
-        <p:blipFill>
-          <a:blip r:embed="rId7"/>
-          <a:stretch>
-            <a:fillRect/>
-          </a:stretch>
-        </p:blipFill>
-        <p:spPr>
-          <a:xfrm>
-            <a:off x="1436382" y="2110467"/>
-            <a:ext cx="1606855" cy="3349760"/>
-          </a:xfrm>
-          <a:prstGeom prst="rect">
-            <a:avLst/>
-          </a:prstGeom>
-        </p:spPr>
-      </p:pic>
-      <p:pic>
-        <p:nvPicPr>
-          <p:cNvPr id="5" name="Hình ảnh 4">
-            <a:extLst>
-              <a:ext uri="{FF2B5EF4-FFF2-40B4-BE49-F238E27FC236}">
-                <a16:creationId xmlns:a16="http://schemas.microsoft.com/office/drawing/2014/main" id="{276ED483-F55F-4AEF-C3FD-CA3322D40136}"/>
-              </a:ext>
-            </a:extLst>
-          </p:cNvPr>
-          <p:cNvPicPr>
-            <a:picLocks noChangeAspect="1"/>
-          </p:cNvPicPr>
-          <p:nvPr/>
-        </p:nvPicPr>
-        <p:blipFill>
-          <a:blip r:embed="rId8"/>
-          <a:stretch>
-            <a:fillRect/>
-          </a:stretch>
-        </p:blipFill>
-        <p:spPr>
-          <a:xfrm>
-            <a:off x="3614737" y="2110466"/>
-            <a:ext cx="1606855" cy="3349759"/>
-          </a:xfrm>
-          <a:prstGeom prst="rect">
-            <a:avLst/>
-          </a:prstGeom>
-        </p:spPr>
-      </p:pic>
-      <p:pic>
-        <p:nvPicPr>
-          <p:cNvPr id="6" name="Hình ảnh 5">
-            <a:extLst>
-              <a:ext uri="{FF2B5EF4-FFF2-40B4-BE49-F238E27FC236}">
-                <a16:creationId xmlns:a16="http://schemas.microsoft.com/office/drawing/2014/main" id="{E6D100AA-33CA-29C5-2C9B-EFD7CD19354C}"/>
-              </a:ext>
-            </a:extLst>
-          </p:cNvPr>
-          <p:cNvPicPr>
-            <a:picLocks noChangeAspect="1"/>
-          </p:cNvPicPr>
-          <p:nvPr/>
-        </p:nvPicPr>
-        <p:blipFill>
-          <a:blip r:embed="rId9"/>
-          <a:stretch>
-            <a:fillRect/>
-          </a:stretch>
-        </p:blipFill>
-        <p:spPr>
-          <a:xfrm>
-            <a:off x="8135452" y="2147937"/>
-            <a:ext cx="1588470" cy="3349759"/>
-          </a:xfrm>
-          <a:prstGeom prst="rect">
-            <a:avLst/>
-          </a:prstGeom>
-        </p:spPr>
-      </p:pic>
+            <a:r>
+              <a:rPr lang="vi-VN"/>
+              <a:t>S</a:t>
+            </a:r>
+            <a:r>
+              <a:rPr lang="vi-VN" sz="1800"/>
+              <a:t>ơ đồ Sequence </a:t>
+            </a:r>
+            <a:r>
+              <a:rPr lang="vi-VN" b="1"/>
+              <a:t>Module Thanh Toán</a:t>
+            </a:r>
+            <a:endParaRPr lang="vi-VN"/>
+          </a:p>
+        </p:txBody>
+      </p:sp>
     </p:spTree>
   </p:cSld>
   <p:clrMapOvr>

--- a/SlideNhom7.pptx
+++ b/SlideNhom7.pptx
@@ -7235,7 +7235,7 @@
                 <a:cs typeface="Arial" panose="020B0604020202020204" pitchFamily="34" charset="0"/>
                 <a:sym typeface="Poppins SemiBold"/>
               </a:rPr>
-              <a:t>Thống báo</a:t>
+              <a:t>Thông báo</a:t>
             </a:r>
             <a:endParaRPr>
               <a:latin typeface="Arial" panose="020B0604020202020204" pitchFamily="34" charset="0"/>
